--- a/FunPro/C#/Lectures/lecture5.pptx
+++ b/FunPro/C#/Lectures/lecture5.pptx
@@ -246,7 +246,7 @@
           <a:p>
             <a:fld id="{C2272412-ECD9-4589-8F80-ED35644F1A6B}" type="datetimeFigureOut">
               <a:rPr lang="en-US" smtClean="0"/>
-              <a:t>9/6/2019</a:t>
+              <a:t>2020-10-30</a:t>
             </a:fld>
             <a:endParaRPr lang="en-US"/>
           </a:p>
@@ -455,7 +455,7 @@
           <a:p>
             <a:pPr lvl="0"/>
             <a:r>
-              <a:rPr lang="en-GB" dirty="0" smtClean="0"/>
+              <a:rPr lang="en-GB" dirty="0"/>
               <a:t>Presentation Title </a:t>
             </a:r>
             <a:endParaRPr lang="en-US" dirty="0"/>
@@ -521,13 +521,6 @@
   <p:clrMapOvr>
     <a:masterClrMapping/>
   </p:clrMapOvr>
-  <p:timing>
-    <p:tnLst>
-      <p:par>
-        <p:cTn id="1" dur="indefinite" restart="never" nodeType="tmRoot"/>
-      </p:par>
-    </p:tnLst>
-  </p:timing>
 </p:sldLayout>
 </file>
 
@@ -710,10 +703,10 @@
           <a:p>
             <a:pPr lvl="0"/>
             <a:r>
-              <a:rPr lang="en-GB" dirty="0" smtClean="0"/>
+              <a:rPr lang="en-GB" dirty="0"/>
               <a:t>Slide title </a:t>
             </a:r>
-            <a:endParaRPr lang="en-US" dirty="0" smtClean="0"/>
+            <a:endParaRPr lang="en-US" dirty="0"/>
           </a:p>
         </p:txBody>
       </p:sp>
@@ -746,7 +739,7 @@
           <a:p>
             <a:pPr lvl="0"/>
             <a:r>
-              <a:rPr lang="en-US" dirty="0" smtClean="0"/>
+              <a:rPr lang="en-US" dirty="0"/>
               <a:t>Text</a:t>
             </a:r>
           </a:p>
@@ -762,13 +755,6 @@
   <p:clrMapOvr>
     <a:masterClrMapping/>
   </p:clrMapOvr>
-  <p:timing>
-    <p:tnLst>
-      <p:par>
-        <p:cTn id="1" dur="indefinite" restart="never" nodeType="tmRoot"/>
-      </p:par>
-    </p:tnLst>
-  </p:timing>
 </p:sldLayout>
 </file>
 
@@ -817,10 +803,9 @@
           </a:lstStyle>
           <a:p>
             <a:r>
-              <a:rPr lang="en-US" smtClean="0"/>
+              <a:rPr lang="en-US"/>
               <a:t>Click to edit Master title style</a:t>
             </a:r>
-            <a:endParaRPr lang="en-US"/>
           </a:p>
         </p:txBody>
       </p:sp>
@@ -885,10 +870,9 @@
           </a:lstStyle>
           <a:p>
             <a:r>
-              <a:rPr lang="en-US" smtClean="0"/>
+              <a:rPr lang="en-US"/>
               <a:t>Click to edit Master subtitle style</a:t>
             </a:r>
-            <a:endParaRPr lang="en-US"/>
           </a:p>
         </p:txBody>
       </p:sp>
@@ -917,7 +901,7 @@
           <a:p>
             <a:fld id="{D461EBD1-15FC-4EB6-AA62-F7669D922D59}" type="datetimeFigureOut">
               <a:rPr lang="en-US" smtClean="0"/>
-              <a:t>9/6/2019</a:t>
+              <a:t>2020-10-30</a:t>
             </a:fld>
             <a:endParaRPr lang="en-US"/>
           </a:p>
@@ -991,13 +975,6 @@
   <p:clrMapOvr>
     <a:masterClrMapping/>
   </p:clrMapOvr>
-  <p:timing>
-    <p:tnLst>
-      <p:par>
-        <p:cTn id="1" dur="indefinite" restart="never" nodeType="tmRoot"/>
-      </p:par>
-    </p:tnLst>
-  </p:timing>
 </p:sldLayout>
 </file>
 
@@ -1115,13 +1092,6 @@
     <p:sldLayoutId id="2147483650" r:id="rId2"/>
     <p:sldLayoutId id="2147483651" r:id="rId3"/>
   </p:sldLayoutIdLst>
-  <p:timing>
-    <p:tnLst>
-      <p:par>
-        <p:cTn id="1" dur="indefinite" restart="never" nodeType="tmRoot"/>
-      </p:par>
-    </p:tnLst>
-  </p:timing>
   <p:txStyles>
     <p:titleStyle>
       <a:lvl1pPr algn="l" defTabSz="914400" rtl="0" eaLnBrk="1" latinLnBrk="0" hangingPunct="1">
@@ -1432,13 +1402,6 @@
   <p:clrMapOvr>
     <a:masterClrMapping/>
   </p:clrMapOvr>
-  <p:timing>
-    <p:tnLst>
-      <p:par>
-        <p:cTn id="1" dur="indefinite" restart="never" nodeType="tmRoot"/>
-      </p:par>
-    </p:tnLst>
-  </p:timing>
 </p:sld>
 </file>
 
@@ -1551,13 +1514,6 @@
   <p:clrMapOvr>
     <a:masterClrMapping/>
   </p:clrMapOvr>
-  <p:timing>
-    <p:tnLst>
-      <p:par>
-        <p:cTn id="1" dur="indefinite" restart="never" nodeType="tmRoot"/>
-      </p:par>
-    </p:tnLst>
-  </p:timing>
 </p:sld>
 </file>
 
@@ -1599,7 +1555,7 @@
           <a:lstStyle/>
           <a:p>
             <a:r>
-              <a:rPr lang="en-US" altLang="en-US" dirty="0" smtClean="0"/>
+              <a:rPr lang="en-US" altLang="en-US" dirty="0"/>
               <a:t>Arrays</a:t>
             </a:r>
             <a:endParaRPr lang="en-US" dirty="0"/>
@@ -1633,11 +1589,7 @@
             </a:pPr>
             <a:r>
               <a:rPr lang="en-US" altLang="en-US" sz="3200" dirty="0"/>
-              <a:t>Each member of the array has its index starting from 0</a:t>
-            </a:r>
-            <a:r>
-              <a:rPr lang="en-US" altLang="en-US" sz="3200" dirty="0" smtClean="0"/>
-              <a:t>.</a:t>
+              <a:t>Each member of the array has its index starting from 0.</a:t>
             </a:r>
           </a:p>
           <a:p>
@@ -1671,13 +1623,6 @@
   <p:clrMapOvr>
     <a:masterClrMapping/>
   </p:clrMapOvr>
-  <p:timing>
-    <p:tnLst>
-      <p:par>
-        <p:cTn id="1" dur="indefinite" restart="never" nodeType="tmRoot"/>
-      </p:par>
-    </p:tnLst>
-  </p:timing>
 </p:sld>
 </file>
 
@@ -1715,11 +1660,7 @@
           <a:p>
             <a:r>
               <a:rPr lang="en-GB" altLang="en-US" dirty="0"/>
-              <a:t>Declaring </a:t>
-            </a:r>
-            <a:r>
-              <a:rPr lang="en-GB" altLang="en-US" dirty="0" smtClean="0"/>
-              <a:t>arrays</a:t>
+              <a:t>Declaring arrays</a:t>
             </a:r>
             <a:endParaRPr lang="en-US" dirty="0"/>
           </a:p>
@@ -1741,24 +1682,15 @@
           <a:lstStyle/>
           <a:p>
             <a:r>
-              <a:rPr lang="en-US" altLang="en-US" sz="2800" dirty="0" smtClean="0"/>
-              <a:t>Specify </a:t>
-            </a:r>
-            <a:r>
               <a:rPr lang="en-US" altLang="en-US" sz="2800" dirty="0"/>
-              <a:t>the type of the array elements</a:t>
+              <a:t>Specify the type of the array elements</a:t>
             </a:r>
           </a:p>
           <a:p>
             <a:r>
               <a:rPr lang="en-US" altLang="en-US" sz="2800" dirty="0"/>
-              <a:t>Specify the number of elements in the </a:t>
-            </a:r>
-            <a:r>
-              <a:rPr lang="en-US" altLang="en-US" sz="2800" dirty="0" smtClean="0"/>
-              <a:t>array</a:t>
-            </a:r>
-            <a:endParaRPr lang="en-US" altLang="en-US" sz="2800" dirty="0"/>
+              <a:t>Specify the number of elements in the array</a:t>
+            </a:r>
           </a:p>
           <a:p>
             <a:endParaRPr lang="en-US" altLang="en-US" sz="2800" dirty="0"/>
@@ -1792,7 +1724,7 @@
           <a:lstStyle/>
           <a:p>
             <a:r>
-              <a:rPr lang="en-GB" sz="2800" dirty="0" smtClean="0">
+              <a:rPr lang="en-GB" sz="2800" dirty="0">
                 <a:solidFill>
                   <a:srgbClr val="008000"/>
                 </a:solidFill>
@@ -1801,22 +1733,13 @@
               <a:t>	</a:t>
             </a:r>
             <a:r>
-              <a:rPr lang="en-GB" sz="2400" dirty="0" smtClean="0">
+              <a:rPr lang="en-GB" sz="2400" dirty="0">
                 <a:solidFill>
                   <a:srgbClr val="008000"/>
                 </a:solidFill>
                 <a:latin typeface="Consolas" panose="020B0609020204030204" pitchFamily="49" charset="0"/>
               </a:rPr>
-              <a:t>//</a:t>
-            </a:r>
-            <a:r>
-              <a:rPr lang="en-GB" sz="2400" dirty="0">
-                <a:solidFill>
-                  <a:srgbClr val="008000"/>
-                </a:solidFill>
-                <a:latin typeface="Consolas" panose="020B0609020204030204" pitchFamily="49" charset="0"/>
-              </a:rPr>
-              <a:t>array of 15 strings</a:t>
+              <a:t>//array of 15 strings</a:t>
             </a:r>
             <a:endParaRPr lang="en-GB" sz="2400" dirty="0">
               <a:solidFill>
@@ -1827,7 +1750,7 @@
           </a:p>
           <a:p>
             <a:r>
-              <a:rPr lang="en-GB" sz="2400" dirty="0" smtClean="0">
+              <a:rPr lang="en-GB" sz="2400" dirty="0">
                 <a:solidFill>
                   <a:srgbClr val="0000FF"/>
                 </a:solidFill>
@@ -1836,7 +1759,7 @@
               <a:t>	var</a:t>
             </a:r>
             <a:r>
-              <a:rPr lang="en-GB" sz="2400" dirty="0" smtClean="0">
+              <a:rPr lang="en-GB" sz="2400" dirty="0">
                 <a:solidFill>
                   <a:srgbClr val="000000"/>
                 </a:solidFill>
@@ -1881,35 +1804,35 @@
               <a:t> </a:t>
             </a:r>
             <a:r>
+              <a:rPr lang="en-GB" sz="2400">
+                <a:solidFill>
+                  <a:srgbClr val="0000FF"/>
+                </a:solidFill>
+                <a:latin typeface="Consolas" panose="020B0609020204030204" pitchFamily="49" charset="0"/>
+              </a:rPr>
+              <a:t>string</a:t>
+            </a:r>
+            <a:r>
+              <a:rPr lang="en-GB" sz="2400">
+                <a:solidFill>
+                  <a:srgbClr val="000000"/>
+                </a:solidFill>
+                <a:latin typeface="Consolas" panose="020B0609020204030204" pitchFamily="49" charset="0"/>
+              </a:rPr>
+              <a:t>[15</a:t>
+            </a:r>
+            <a:r>
               <a:rPr lang="en-GB" sz="2400" dirty="0">
                 <a:solidFill>
-                  <a:srgbClr val="0000FF"/>
-                </a:solidFill>
-                <a:latin typeface="Consolas" panose="020B0609020204030204" pitchFamily="49" charset="0"/>
-              </a:rPr>
-              <a:t>string</a:t>
-            </a:r>
-            <a:r>
-              <a:rPr lang="en-GB" sz="2400" dirty="0">
-                <a:solidFill>
                   <a:srgbClr val="000000"/>
                 </a:solidFill>
                 <a:latin typeface="Consolas" panose="020B0609020204030204" pitchFamily="49" charset="0"/>
               </a:rPr>
-              <a:t>[5</a:t>
-            </a:r>
-            <a:r>
-              <a:rPr lang="en-GB" sz="2400" dirty="0" smtClean="0">
-                <a:solidFill>
-                  <a:srgbClr val="000000"/>
-                </a:solidFill>
-                <a:latin typeface="Consolas" panose="020B0609020204030204" pitchFamily="49" charset="0"/>
-              </a:rPr>
               <a:t>];</a:t>
             </a:r>
           </a:p>
           <a:p>
-            <a:endParaRPr lang="en-GB" sz="2400" dirty="0" smtClean="0">
+            <a:endParaRPr lang="en-GB" sz="2400" dirty="0">
               <a:solidFill>
                 <a:srgbClr val="008000"/>
               </a:solidFill>
@@ -1924,40 +1847,13 @@
                 </a:solidFill>
                 <a:latin typeface="Consolas" panose="020B0609020204030204" pitchFamily="49" charset="0"/>
               </a:rPr>
-              <a:t>	</a:t>
-            </a:r>
-            <a:r>
-              <a:rPr lang="en-GB" sz="2400" dirty="0" smtClean="0">
-                <a:solidFill>
-                  <a:srgbClr val="008000"/>
-                </a:solidFill>
-                <a:latin typeface="Consolas" panose="020B0609020204030204" pitchFamily="49" charset="0"/>
-              </a:rPr>
-              <a:t>//</a:t>
-            </a:r>
+              <a:t>	//array of 100 integers</a:t>
+            </a:r>
+          </a:p>
+          <a:p>
             <a:r>
               <a:rPr lang="en-GB" sz="2400" dirty="0">
                 <a:solidFill>
-                  <a:srgbClr val="008000"/>
-                </a:solidFill>
-                <a:latin typeface="Consolas" panose="020B0609020204030204" pitchFamily="49" charset="0"/>
-              </a:rPr>
-              <a:t>array of 100 </a:t>
-            </a:r>
-            <a:r>
-              <a:rPr lang="en-GB" sz="2400" dirty="0" smtClean="0">
-                <a:solidFill>
-                  <a:srgbClr val="008000"/>
-                </a:solidFill>
-                <a:latin typeface="Consolas" panose="020B0609020204030204" pitchFamily="49" charset="0"/>
-              </a:rPr>
-              <a:t>integers</a:t>
-            </a:r>
-          </a:p>
-          <a:p>
-            <a:r>
-              <a:rPr lang="en-GB" sz="2400" dirty="0" smtClean="0">
-                <a:solidFill>
                   <a:srgbClr val="000000"/>
                 </a:solidFill>
                 <a:latin typeface="Consolas" panose="020B0609020204030204" pitchFamily="49" charset="0"/>
@@ -1965,7 +1861,7 @@
               <a:t>     </a:t>
             </a:r>
             <a:r>
-              <a:rPr lang="en-GB" sz="2400" dirty="0" err="1" smtClean="0">
+              <a:rPr lang="en-GB" sz="2400" dirty="0" err="1">
                 <a:solidFill>
                   <a:srgbClr val="0000FF"/>
                 </a:solidFill>
@@ -2056,13 +1952,6 @@
   <p:clrMapOvr>
     <a:masterClrMapping/>
   </p:clrMapOvr>
-  <p:timing>
-    <p:tnLst>
-      <p:par>
-        <p:cTn id="1" dur="indefinite" restart="never" nodeType="tmRoot"/>
-      </p:par>
-    </p:tnLst>
-  </p:timing>
 </p:sld>
 </file>
 
@@ -2099,7 +1988,7 @@
           <a:lstStyle/>
           <a:p>
             <a:r>
-              <a:rPr lang="en-US" altLang="en-US" dirty="0" smtClean="0"/>
+              <a:rPr lang="en-US" altLang="en-US" dirty="0"/>
               <a:t>Example</a:t>
             </a:r>
             <a:endParaRPr lang="en-US" dirty="0"/>
@@ -2150,22 +2039,13 @@
           </a:p>
           <a:p>
             <a:r>
-              <a:rPr lang="en-US" sz="2000" dirty="0" smtClean="0">
+              <a:rPr lang="en-US" sz="2000" dirty="0">
                 <a:solidFill>
                   <a:srgbClr val="008000"/>
                 </a:solidFill>
                 <a:latin typeface="Consolas" panose="020B0609020204030204" pitchFamily="49" charset="0"/>
               </a:rPr>
-              <a:t>//</a:t>
-            </a:r>
-            <a:r>
-              <a:rPr lang="en-US" sz="2000" dirty="0">
-                <a:solidFill>
-                  <a:srgbClr val="008000"/>
-                </a:solidFill>
-                <a:latin typeface="Consolas" panose="020B0609020204030204" pitchFamily="49" charset="0"/>
-              </a:rPr>
-              <a:t>initialize the 5th element with random number </a:t>
+              <a:t>//initialize the 5th element with random number </a:t>
             </a:r>
             <a:endParaRPr lang="en-US" sz="2000" dirty="0">
               <a:solidFill>
@@ -2176,22 +2056,13 @@
           </a:p>
           <a:p>
             <a:r>
-              <a:rPr lang="en-US" sz="2000" dirty="0" smtClean="0">
+              <a:rPr lang="en-US" sz="2000" dirty="0">
                 <a:solidFill>
                   <a:srgbClr val="008000"/>
                 </a:solidFill>
                 <a:latin typeface="Consolas" panose="020B0609020204030204" pitchFamily="49" charset="0"/>
               </a:rPr>
-              <a:t>//</a:t>
-            </a:r>
-            <a:r>
-              <a:rPr lang="en-US" sz="2000" dirty="0">
-                <a:solidFill>
-                  <a:srgbClr val="008000"/>
-                </a:solidFill>
-                <a:latin typeface="Consolas" panose="020B0609020204030204" pitchFamily="49" charset="0"/>
-              </a:rPr>
-              <a:t>and then show it</a:t>
+              <a:t>//and then show it</a:t>
             </a:r>
             <a:endParaRPr lang="en-US" sz="2000" dirty="0">
               <a:solidFill>
@@ -2202,7 +2073,7 @@
           </a:p>
           <a:p>
             <a:r>
-              <a:rPr lang="en-US" sz="2000" dirty="0" err="1" smtClean="0">
+              <a:rPr lang="en-US" sz="2000" dirty="0" err="1">
                 <a:solidFill>
                   <a:srgbClr val="0000FF"/>
                 </a:solidFill>
@@ -2211,7 +2082,7 @@
               <a:t>var</a:t>
             </a:r>
             <a:r>
-              <a:rPr lang="en-US" sz="2000" dirty="0" smtClean="0">
+              <a:rPr lang="en-US" sz="2000" dirty="0">
                 <a:solidFill>
                   <a:srgbClr val="000000"/>
                 </a:solidFill>
@@ -2276,7 +2147,7 @@
           </a:p>
           <a:p>
             <a:r>
-              <a:rPr lang="en-US" sz="2000" dirty="0" err="1" smtClean="0">
+              <a:rPr lang="en-US" sz="2000" dirty="0" err="1">
                 <a:solidFill>
                   <a:srgbClr val="0000FF"/>
                 </a:solidFill>
@@ -2285,31 +2156,60 @@
               <a:t>var</a:t>
             </a:r>
             <a:r>
-              <a:rPr lang="en-US" sz="2000" dirty="0" smtClean="0">
+              <a:rPr lang="en-US" sz="2000" dirty="0">
                 <a:solidFill>
                   <a:srgbClr val="000000"/>
                 </a:solidFill>
                 <a:latin typeface="Consolas" panose="020B0609020204030204" pitchFamily="49" charset="0"/>
               </a:rPr>
-              <a:t> </a:t>
+              <a:t> r = </a:t>
             </a:r>
             <a:r>
               <a:rPr lang="en-US" sz="2000" dirty="0">
                 <a:solidFill>
+                  <a:srgbClr val="0000FF"/>
+                </a:solidFill>
+                <a:latin typeface="Consolas" panose="020B0609020204030204" pitchFamily="49" charset="0"/>
+              </a:rPr>
+              <a:t>new</a:t>
+            </a:r>
+            <a:r>
+              <a:rPr lang="en-US" sz="2000" dirty="0">
+                <a:solidFill>
                   <a:srgbClr val="000000"/>
                 </a:solidFill>
                 <a:latin typeface="Consolas" panose="020B0609020204030204" pitchFamily="49" charset="0"/>
               </a:rPr>
-              <a:t>r = </a:t>
+              <a:t> Random();</a:t>
+            </a:r>
+          </a:p>
+          <a:p>
+            <a:r>
+              <a:rPr lang="en-US" sz="2000" dirty="0" err="1">
+                <a:solidFill>
+                  <a:srgbClr val="000000"/>
+                </a:solidFill>
+                <a:latin typeface="Consolas" panose="020B0609020204030204" pitchFamily="49" charset="0"/>
+              </a:rPr>
+              <a:t>randomList</a:t>
             </a:r>
             <a:r>
               <a:rPr lang="en-US" sz="2000" dirty="0">
                 <a:solidFill>
-                  <a:srgbClr val="0000FF"/>
-                </a:solidFill>
-                <a:latin typeface="Consolas" panose="020B0609020204030204" pitchFamily="49" charset="0"/>
-              </a:rPr>
-              <a:t>new</a:t>
+                  <a:srgbClr val="000000"/>
+                </a:solidFill>
+                <a:latin typeface="Consolas" panose="020B0609020204030204" pitchFamily="49" charset="0"/>
+              </a:rPr>
+              <a:t>[4] = </a:t>
+            </a:r>
+            <a:r>
+              <a:rPr lang="en-US" sz="2000" dirty="0" err="1">
+                <a:solidFill>
+                  <a:srgbClr val="000000"/>
+                </a:solidFill>
+                <a:latin typeface="Consolas" panose="020B0609020204030204" pitchFamily="49" charset="0"/>
+              </a:rPr>
+              <a:t>r.Next</a:t>
             </a:r>
             <a:r>
               <a:rPr lang="en-US" sz="2000" dirty="0">
@@ -2318,83 +2218,27 @@
                 </a:solidFill>
                 <a:latin typeface="Consolas" panose="020B0609020204030204" pitchFamily="49" charset="0"/>
               </a:rPr>
-              <a:t> Random();</a:t>
-            </a:r>
-          </a:p>
-          <a:p>
-            <a:r>
-              <a:rPr lang="en-US" sz="2000" dirty="0" err="1" smtClean="0">
+              <a:t>(1, 100);</a:t>
+            </a:r>
+          </a:p>
+          <a:p>
+            <a:r>
+              <a:rPr lang="en-US" sz="2000" dirty="0" err="1">
                 <a:solidFill>
                   <a:srgbClr val="000000"/>
                 </a:solidFill>
                 <a:latin typeface="Consolas" panose="020B0609020204030204" pitchFamily="49" charset="0"/>
               </a:rPr>
-              <a:t>randomList</a:t>
-            </a:r>
-            <a:r>
-              <a:rPr lang="en-US" sz="2000" dirty="0" smtClean="0">
+              <a:t>lblResult.Text</a:t>
+            </a:r>
+            <a:r>
+              <a:rPr lang="en-US" sz="2000" dirty="0">
                 <a:solidFill>
                   <a:srgbClr val="000000"/>
                 </a:solidFill>
                 <a:latin typeface="Consolas" panose="020B0609020204030204" pitchFamily="49" charset="0"/>
               </a:rPr>
-              <a:t>[4</a:t>
-            </a:r>
-            <a:r>
-              <a:rPr lang="en-US" sz="2000" dirty="0">
-                <a:solidFill>
-                  <a:srgbClr val="000000"/>
-                </a:solidFill>
-                <a:latin typeface="Consolas" panose="020B0609020204030204" pitchFamily="49" charset="0"/>
-              </a:rPr>
-              <a:t>] = </a:t>
-            </a:r>
-            <a:r>
-              <a:rPr lang="en-US" sz="2000" dirty="0" err="1">
-                <a:solidFill>
-                  <a:srgbClr val="000000"/>
-                </a:solidFill>
-                <a:latin typeface="Consolas" panose="020B0609020204030204" pitchFamily="49" charset="0"/>
-              </a:rPr>
-              <a:t>r.Next</a:t>
-            </a:r>
-            <a:r>
-              <a:rPr lang="en-US" sz="2000" dirty="0">
-                <a:solidFill>
-                  <a:srgbClr val="000000"/>
-                </a:solidFill>
-                <a:latin typeface="Consolas" panose="020B0609020204030204" pitchFamily="49" charset="0"/>
-              </a:rPr>
-              <a:t>(1, 100);</a:t>
-            </a:r>
-          </a:p>
-          <a:p>
-            <a:r>
-              <a:rPr lang="en-US" sz="2000" dirty="0" err="1" smtClean="0">
-                <a:solidFill>
-                  <a:srgbClr val="000000"/>
-                </a:solidFill>
-                <a:latin typeface="Consolas" panose="020B0609020204030204" pitchFamily="49" charset="0"/>
-              </a:rPr>
-              <a:t>lblResult.Text</a:t>
-            </a:r>
-            <a:r>
-              <a:rPr lang="en-US" sz="2000" dirty="0" smtClean="0">
-                <a:solidFill>
-                  <a:srgbClr val="000000"/>
-                </a:solidFill>
-                <a:latin typeface="Consolas" panose="020B0609020204030204" pitchFamily="49" charset="0"/>
-              </a:rPr>
-              <a:t> </a:t>
-            </a:r>
-            <a:r>
-              <a:rPr lang="en-US" sz="2000" dirty="0">
-                <a:solidFill>
-                  <a:srgbClr val="000000"/>
-                </a:solidFill>
-                <a:latin typeface="Consolas" panose="020B0609020204030204" pitchFamily="49" charset="0"/>
-              </a:rPr>
-              <a:t>= </a:t>
+              <a:t> = </a:t>
             </a:r>
             <a:r>
               <a:rPr lang="en-US" sz="2000" dirty="0">
@@ -2449,13 +2293,6 @@
   <p:clrMapOvr>
     <a:masterClrMapping/>
   </p:clrMapOvr>
-  <p:timing>
-    <p:tnLst>
-      <p:par>
-        <p:cTn id="1" dur="indefinite" restart="never" nodeType="tmRoot"/>
-      </p:par>
-    </p:tnLst>
-  </p:timing>
 </p:sld>
 </file>
 
@@ -2492,7 +2329,7 @@
           <a:lstStyle/>
           <a:p>
             <a:r>
-              <a:rPr lang="en-US" altLang="en-US" dirty="0" smtClean="0"/>
+              <a:rPr lang="en-US" altLang="en-US" dirty="0"/>
               <a:t>Resizing</a:t>
             </a:r>
             <a:endParaRPr lang="en-US" dirty="0"/>
@@ -2516,16 +2353,11 @@
           <a:p>
             <a:r>
               <a:rPr lang="en-US" altLang="en-US" sz="3200" dirty="0"/>
-              <a:t>We can change the length of an </a:t>
-            </a:r>
-            <a:r>
-              <a:rPr lang="en-US" altLang="en-US" sz="3200" dirty="0" smtClean="0"/>
-              <a:t>array:</a:t>
-            </a:r>
+              <a:t>We can change the length of an array:</a:t>
+            </a:r>
+          </a:p>
+          <a:p>
             <a:endParaRPr lang="en-US" altLang="en-US" sz="3200" dirty="0"/>
-          </a:p>
-          <a:p>
-            <a:endParaRPr lang="en-US" altLang="en-US" sz="3200" dirty="0" smtClean="0"/>
           </a:p>
           <a:p>
             <a:endParaRPr lang="en-US" altLang="en-US" sz="3200" dirty="0"/>
@@ -2615,7 +2447,7 @@
           </a:p>
           <a:p>
             <a:r>
-              <a:rPr lang="en-US" sz="3200" dirty="0" err="1" smtClean="0">
+              <a:rPr lang="en-US" sz="3200" dirty="0" err="1">
                 <a:solidFill>
                   <a:srgbClr val="000000"/>
                 </a:solidFill>
@@ -2624,7 +2456,7 @@
               <a:t>Array.Resize</a:t>
             </a:r>
             <a:r>
-              <a:rPr lang="en-US" sz="3200" dirty="0" smtClean="0">
+              <a:rPr lang="en-US" sz="3200" dirty="0">
                 <a:solidFill>
                   <a:srgbClr val="000000"/>
                 </a:solidFill>
@@ -2633,7 +2465,7 @@
               <a:t>(</a:t>
             </a:r>
             <a:r>
-              <a:rPr lang="en-US" sz="3200" dirty="0" smtClean="0">
+              <a:rPr lang="en-US" sz="3200" dirty="0">
                 <a:solidFill>
                   <a:srgbClr val="0000FF"/>
                 </a:solidFill>
@@ -2642,22 +2474,13 @@
               <a:t>ref</a:t>
             </a:r>
             <a:r>
-              <a:rPr lang="en-US" sz="3200" dirty="0" smtClean="0">
+              <a:rPr lang="en-US" sz="3200" dirty="0">
                 <a:solidFill>
                   <a:srgbClr val="000000"/>
                 </a:solidFill>
                 <a:latin typeface="Consolas" panose="020B0609020204030204" pitchFamily="49" charset="0"/>
               </a:rPr>
-              <a:t> </a:t>
-            </a:r>
-            <a:r>
-              <a:rPr lang="en-US" sz="3200" dirty="0">
-                <a:solidFill>
-                  <a:srgbClr val="000000"/>
-                </a:solidFill>
-                <a:latin typeface="Consolas" panose="020B0609020204030204" pitchFamily="49" charset="0"/>
-              </a:rPr>
-              <a:t>marks, 20);</a:t>
+              <a:t> marks, 20);</a:t>
             </a:r>
             <a:endParaRPr lang="en-US" sz="8800" b="1" dirty="0">
               <a:latin typeface="Courier New" panose="02070309020205020404" pitchFamily="49" charset="0"/>
@@ -2676,13 +2499,6 @@
   <p:clrMapOvr>
     <a:masterClrMapping/>
   </p:clrMapOvr>
-  <p:timing>
-    <p:tnLst>
-      <p:par>
-        <p:cTn id="1" dur="indefinite" restart="never" nodeType="tmRoot"/>
-      </p:par>
-    </p:tnLst>
-  </p:timing>
 </p:sld>
 </file>
 
@@ -2719,7 +2535,7 @@
           <a:lstStyle/>
           <a:p>
             <a:r>
-              <a:rPr lang="en-US" altLang="en-US" dirty="0" smtClean="0"/>
+              <a:rPr lang="en-US" altLang="en-US" dirty="0"/>
               <a:t>Question</a:t>
             </a:r>
             <a:endParaRPr lang="en-US" dirty="0"/>
@@ -2748,11 +2564,7 @@
             </a:pPr>
             <a:r>
               <a:rPr lang="en-US" altLang="en-US" sz="3200" dirty="0"/>
-              <a:t>How would we initialize first 3 elements of an array with random numbers</a:t>
-            </a:r>
-            <a:r>
-              <a:rPr lang="en-US" altLang="en-US" sz="3200" dirty="0" smtClean="0"/>
-              <a:t>?</a:t>
+              <a:t>How would we initialize first 3 elements of an array with random numbers?</a:t>
             </a:r>
           </a:p>
           <a:p>
@@ -2769,7 +2581,7 @@
                 <a:spcPct val="120000"/>
               </a:lnSpc>
             </a:pPr>
-            <a:endParaRPr lang="en-US" altLang="en-US" sz="3200" dirty="0" smtClean="0"/>
+            <a:endParaRPr lang="en-US" altLang="en-US" sz="3200" dirty="0"/>
           </a:p>
           <a:p>
             <a:pPr>
@@ -2786,18 +2598,9 @@
               </a:lnSpc>
             </a:pPr>
             <a:r>
-              <a:rPr lang="en-US" altLang="en-US" sz="3200" dirty="0" smtClean="0"/>
-              <a:t>But </a:t>
-            </a:r>
-            <a:r>
               <a:rPr lang="en-US" altLang="en-US" sz="3200" dirty="0"/>
-              <a:t>what if we need to initialize 250 elements of an array</a:t>
-            </a:r>
-            <a:r>
-              <a:rPr lang="en-US" altLang="en-US" sz="3200" dirty="0" smtClean="0"/>
-              <a:t>?</a:t>
-            </a:r>
-            <a:endParaRPr lang="en-US" altLang="en-US" sz="3200" dirty="0"/>
+              <a:t>But what if we need to initialize 250 elements of an array?</a:t>
+            </a:r>
           </a:p>
         </p:txBody>
       </p:sp>
@@ -2833,25 +2636,18 @@
               </a:spcAft>
             </a:pPr>
             <a:r>
-              <a:rPr lang="en-US" sz="2800" b="1" dirty="0" err="1" smtClean="0">
+              <a:rPr lang="en-US" sz="2800" b="1" dirty="0" err="1">
                 <a:latin typeface="Courier New" panose="02070309020205020404" pitchFamily="49" charset="0"/>
                 <a:cs typeface="Courier New" panose="02070309020205020404" pitchFamily="49" charset="0"/>
               </a:rPr>
               <a:t>randomList</a:t>
-            </a:r>
-            <a:r>
-              <a:rPr lang="en-US" sz="2800" b="1" dirty="0" smtClean="0">
-                <a:latin typeface="Courier New" panose="02070309020205020404" pitchFamily="49" charset="0"/>
-                <a:cs typeface="Courier New" panose="02070309020205020404" pitchFamily="49" charset="0"/>
-              </a:rPr>
-              <a:t>[0] </a:t>
             </a:r>
             <a:r>
               <a:rPr lang="en-US" sz="2800" b="1" dirty="0">
                 <a:latin typeface="Courier New" panose="02070309020205020404" pitchFamily="49" charset="0"/>
                 <a:cs typeface="Courier New" panose="02070309020205020404" pitchFamily="49" charset="0"/>
               </a:rPr>
-              <a:t>= </a:t>
+              <a:t>[0] = </a:t>
             </a:r>
             <a:r>
               <a:rPr lang="en-US" sz="2800" b="1" dirty="0" err="1">
@@ -2865,19 +2661,8 @@
                 <a:latin typeface="Courier New" panose="02070309020205020404" pitchFamily="49" charset="0"/>
                 <a:cs typeface="Courier New" panose="02070309020205020404" pitchFamily="49" charset="0"/>
               </a:rPr>
-              <a:t>(1, 100</a:t>
-            </a:r>
-            <a:r>
-              <a:rPr lang="en-US" sz="2800" b="1" dirty="0" smtClean="0">
-                <a:latin typeface="Courier New" panose="02070309020205020404" pitchFamily="49" charset="0"/>
-                <a:cs typeface="Courier New" panose="02070309020205020404" pitchFamily="49" charset="0"/>
-              </a:rPr>
-              <a:t>);</a:t>
-            </a:r>
-            <a:endParaRPr lang="en-US" sz="2800" b="1" dirty="0">
-              <a:latin typeface="Courier New" panose="02070309020205020404" pitchFamily="49" charset="0"/>
-              <a:cs typeface="Courier New" panose="02070309020205020404" pitchFamily="49" charset="0"/>
-            </a:endParaRPr>
+              <a:t>(1, 100);</a:t>
+            </a:r>
           </a:p>
           <a:p>
             <a:pPr>
@@ -2886,25 +2671,18 @@
               </a:spcAft>
             </a:pPr>
             <a:r>
-              <a:rPr lang="en-US" sz="2800" b="1" dirty="0" err="1" smtClean="0">
+              <a:rPr lang="en-US" sz="2800" b="1" dirty="0" err="1">
                 <a:latin typeface="Courier New" panose="02070309020205020404" pitchFamily="49" charset="0"/>
                 <a:cs typeface="Courier New" panose="02070309020205020404" pitchFamily="49" charset="0"/>
               </a:rPr>
               <a:t>randomList</a:t>
-            </a:r>
-            <a:r>
-              <a:rPr lang="en-US" sz="2800" b="1" dirty="0" smtClean="0">
-                <a:latin typeface="Courier New" panose="02070309020205020404" pitchFamily="49" charset="0"/>
-                <a:cs typeface="Courier New" panose="02070309020205020404" pitchFamily="49" charset="0"/>
-              </a:rPr>
-              <a:t>[1] </a:t>
             </a:r>
             <a:r>
               <a:rPr lang="en-US" sz="2800" b="1" dirty="0">
                 <a:latin typeface="Courier New" panose="02070309020205020404" pitchFamily="49" charset="0"/>
                 <a:cs typeface="Courier New" panose="02070309020205020404" pitchFamily="49" charset="0"/>
               </a:rPr>
-              <a:t>= </a:t>
+              <a:t>[1] = </a:t>
             </a:r>
             <a:r>
               <a:rPr lang="en-US" sz="2800" b="1" dirty="0" err="1">
@@ -2918,19 +2696,8 @@
                 <a:latin typeface="Courier New" panose="02070309020205020404" pitchFamily="49" charset="0"/>
                 <a:cs typeface="Courier New" panose="02070309020205020404" pitchFamily="49" charset="0"/>
               </a:rPr>
-              <a:t>(1, 100</a:t>
-            </a:r>
-            <a:r>
-              <a:rPr lang="en-US" sz="2800" b="1" dirty="0" smtClean="0">
-                <a:latin typeface="Courier New" panose="02070309020205020404" pitchFamily="49" charset="0"/>
-                <a:cs typeface="Courier New" panose="02070309020205020404" pitchFamily="49" charset="0"/>
-              </a:rPr>
-              <a:t>);</a:t>
-            </a:r>
-            <a:endParaRPr lang="en-US" sz="2800" b="1" dirty="0">
-              <a:latin typeface="Courier New" panose="02070309020205020404" pitchFamily="49" charset="0"/>
-              <a:cs typeface="Courier New" panose="02070309020205020404" pitchFamily="49" charset="0"/>
-            </a:endParaRPr>
+              <a:t>(1, 100);</a:t>
+            </a:r>
           </a:p>
           <a:p>
             <a:pPr>
@@ -2939,25 +2706,18 @@
               </a:spcAft>
             </a:pPr>
             <a:r>
-              <a:rPr lang="en-US" sz="2800" b="1" dirty="0" err="1" smtClean="0">
+              <a:rPr lang="en-US" sz="2800" b="1" dirty="0" err="1">
                 <a:latin typeface="Courier New" panose="02070309020205020404" pitchFamily="49" charset="0"/>
                 <a:cs typeface="Courier New" panose="02070309020205020404" pitchFamily="49" charset="0"/>
               </a:rPr>
               <a:t>randomList</a:t>
-            </a:r>
-            <a:r>
-              <a:rPr lang="en-US" sz="2800" b="1" dirty="0" smtClean="0">
-                <a:latin typeface="Courier New" panose="02070309020205020404" pitchFamily="49" charset="0"/>
-                <a:cs typeface="Courier New" panose="02070309020205020404" pitchFamily="49" charset="0"/>
-              </a:rPr>
-              <a:t>[2] </a:t>
             </a:r>
             <a:r>
               <a:rPr lang="en-US" sz="2800" b="1" dirty="0">
                 <a:latin typeface="Courier New" panose="02070309020205020404" pitchFamily="49" charset="0"/>
                 <a:cs typeface="Courier New" panose="02070309020205020404" pitchFamily="49" charset="0"/>
               </a:rPr>
-              <a:t>= </a:t>
+              <a:t>[2] = </a:t>
             </a:r>
             <a:r>
               <a:rPr lang="en-US" sz="2800" b="1" dirty="0" err="1">
@@ -2971,19 +2731,8 @@
                 <a:latin typeface="Courier New" panose="02070309020205020404" pitchFamily="49" charset="0"/>
                 <a:cs typeface="Courier New" panose="02070309020205020404" pitchFamily="49" charset="0"/>
               </a:rPr>
-              <a:t>(1, 100</a:t>
-            </a:r>
-            <a:r>
-              <a:rPr lang="en-US" sz="2800" b="1" dirty="0" smtClean="0">
-                <a:latin typeface="Courier New" panose="02070309020205020404" pitchFamily="49" charset="0"/>
-                <a:cs typeface="Courier New" panose="02070309020205020404" pitchFamily="49" charset="0"/>
-              </a:rPr>
-              <a:t>);</a:t>
-            </a:r>
-            <a:endParaRPr lang="en-US" sz="2800" b="1" dirty="0">
-              <a:latin typeface="Courier New" panose="02070309020205020404" pitchFamily="49" charset="0"/>
-              <a:cs typeface="Courier New" panose="02070309020205020404" pitchFamily="49" charset="0"/>
-            </a:endParaRPr>
+              <a:t>(1, 100);</a:t>
+            </a:r>
           </a:p>
         </p:txBody>
       </p:sp>
@@ -2997,13 +2746,6 @@
   <p:clrMapOvr>
     <a:masterClrMapping/>
   </p:clrMapOvr>
-  <p:timing>
-    <p:tnLst>
-      <p:par>
-        <p:cTn id="1" dur="indefinite" restart="never" nodeType="tmRoot"/>
-      </p:par>
-    </p:tnLst>
-  </p:timing>
 </p:sld>
 </file>
 
@@ -3153,7 +2895,7 @@
           </a:p>
           <a:p>
             <a:r>
-              <a:rPr lang="nn-NO" sz="3600" dirty="0" smtClean="0">
+              <a:rPr lang="nn-NO" sz="3600" dirty="0">
                 <a:solidFill>
                   <a:srgbClr val="0000FF"/>
                 </a:solidFill>
@@ -3162,87 +2904,90 @@
               <a:t>for</a:t>
             </a:r>
             <a:r>
-              <a:rPr lang="nn-NO" sz="3600" dirty="0" smtClean="0">
+              <a:rPr lang="nn-NO" sz="3600" dirty="0">
                 <a:solidFill>
                   <a:srgbClr val="000000"/>
                 </a:solidFill>
                 <a:latin typeface="Consolas" panose="020B0609020204030204" pitchFamily="49" charset="0"/>
               </a:rPr>
-              <a:t> </a:t>
+              <a:t> (</a:t>
             </a:r>
             <a:r>
               <a:rPr lang="nn-NO" sz="3600" dirty="0">
                 <a:solidFill>
+                  <a:srgbClr val="0000FF"/>
+                </a:solidFill>
+                <a:latin typeface="Consolas" panose="020B0609020204030204" pitchFamily="49" charset="0"/>
+              </a:rPr>
+              <a:t>int</a:t>
+            </a:r>
+            <a:r>
+              <a:rPr lang="nn-NO" sz="3600" dirty="0">
+                <a:solidFill>
                   <a:srgbClr val="000000"/>
                 </a:solidFill>
                 <a:latin typeface="Consolas" panose="020B0609020204030204" pitchFamily="49" charset="0"/>
               </a:rPr>
-              <a:t>(</a:t>
-            </a:r>
-            <a:r>
-              <a:rPr lang="nn-NO" sz="3600" dirty="0">
-                <a:solidFill>
-                  <a:srgbClr val="0000FF"/>
-                </a:solidFill>
-                <a:latin typeface="Consolas" panose="020B0609020204030204" pitchFamily="49" charset="0"/>
-              </a:rPr>
-              <a:t>int</a:t>
-            </a:r>
-            <a:r>
-              <a:rPr lang="nn-NO" sz="3600" dirty="0">
+              <a:t> i = 0; i &lt; randomList.Length; i++)</a:t>
+            </a:r>
+          </a:p>
+          <a:p>
+            <a:r>
+              <a:rPr lang="en-US" sz="3600" dirty="0">
                 <a:solidFill>
                   <a:srgbClr val="000000"/>
                 </a:solidFill>
                 <a:latin typeface="Consolas" panose="020B0609020204030204" pitchFamily="49" charset="0"/>
               </a:rPr>
-              <a:t> i = 0; i &lt; randomList.Length; i++)</a:t>
-            </a:r>
-          </a:p>
-          <a:p>
-            <a:r>
-              <a:rPr lang="en-US" sz="3600" dirty="0" smtClean="0">
+              <a:t>{</a:t>
+            </a:r>
+          </a:p>
+          <a:p>
+            <a:pPr lvl="1"/>
+            <a:r>
+              <a:rPr lang="en-US" sz="3600" dirty="0" err="1">
                 <a:solidFill>
                   <a:srgbClr val="000000"/>
                 </a:solidFill>
                 <a:latin typeface="Consolas" panose="020B0609020204030204" pitchFamily="49" charset="0"/>
               </a:rPr>
-              <a:t>{</a:t>
-            </a:r>
-            <a:endParaRPr lang="en-US" sz="3600" dirty="0">
-              <a:solidFill>
-                <a:srgbClr val="000000"/>
-              </a:solidFill>
-              <a:latin typeface="Consolas" panose="020B0609020204030204" pitchFamily="49" charset="0"/>
-            </a:endParaRPr>
-          </a:p>
-          <a:p>
-            <a:pPr lvl="1"/>
-            <a:r>
-              <a:rPr lang="en-US" sz="3600" dirty="0" err="1" smtClean="0">
+              <a:t>randomListp</a:t>
+            </a:r>
+            <a:r>
+              <a:rPr lang="en-US" sz="3600" dirty="0">
                 <a:solidFill>
                   <a:srgbClr val="000000"/>
                 </a:solidFill>
                 <a:latin typeface="Consolas" panose="020B0609020204030204" pitchFamily="49" charset="0"/>
               </a:rPr>
-              <a:t>randomListp</a:t>
-            </a:r>
-            <a:r>
-              <a:rPr lang="en-US" sz="3600" dirty="0" smtClean="0">
+              <a:t>[</a:t>
+            </a:r>
+            <a:r>
+              <a:rPr lang="en-US" sz="3600" dirty="0" err="1">
                 <a:solidFill>
                   <a:srgbClr val="000000"/>
                 </a:solidFill>
                 <a:latin typeface="Consolas" panose="020B0609020204030204" pitchFamily="49" charset="0"/>
               </a:rPr>
-              <a:t>[</a:t>
-            </a:r>
-            <a:r>
-              <a:rPr lang="en-US" sz="3600" dirty="0" err="1" smtClean="0">
+              <a:t>i</a:t>
+            </a:r>
+            <a:r>
+              <a:rPr lang="en-US" sz="3600" dirty="0">
                 <a:solidFill>
                   <a:srgbClr val="000000"/>
                 </a:solidFill>
                 <a:latin typeface="Consolas" panose="020B0609020204030204" pitchFamily="49" charset="0"/>
               </a:rPr>
-              <a:t>i</a:t>
+              <a:t>] = </a:t>
+            </a:r>
+            <a:r>
+              <a:rPr lang="en-US" sz="3600" dirty="0" err="1">
+                <a:solidFill>
+                  <a:srgbClr val="000000"/>
+                </a:solidFill>
+                <a:latin typeface="Consolas" panose="020B0609020204030204" pitchFamily="49" charset="0"/>
+              </a:rPr>
+              <a:t>r.Next</a:t>
             </a:r>
             <a:r>
               <a:rPr lang="en-US" sz="3600" dirty="0">
@@ -3251,39 +2996,12 @@
                 </a:solidFill>
                 <a:latin typeface="Consolas" panose="020B0609020204030204" pitchFamily="49" charset="0"/>
               </a:rPr>
-              <a:t>] = </a:t>
-            </a:r>
-            <a:r>
-              <a:rPr lang="en-US" sz="3600" dirty="0" err="1">
-                <a:solidFill>
-                  <a:srgbClr val="000000"/>
-                </a:solidFill>
-                <a:latin typeface="Consolas" panose="020B0609020204030204" pitchFamily="49" charset="0"/>
-              </a:rPr>
-              <a:t>r.Next</a:t>
-            </a:r>
+              <a:t>(1, 100);</a:t>
+            </a:r>
+          </a:p>
+          <a:p>
             <a:r>
               <a:rPr lang="en-US" sz="3600" dirty="0">
-                <a:solidFill>
-                  <a:srgbClr val="000000"/>
-                </a:solidFill>
-                <a:latin typeface="Consolas" panose="020B0609020204030204" pitchFamily="49" charset="0"/>
-              </a:rPr>
-              <a:t>(1, 100</a:t>
-            </a:r>
-            <a:r>
-              <a:rPr lang="en-US" sz="3600" dirty="0" smtClean="0">
-                <a:solidFill>
-                  <a:srgbClr val="000000"/>
-                </a:solidFill>
-                <a:latin typeface="Consolas" panose="020B0609020204030204" pitchFamily="49" charset="0"/>
-              </a:rPr>
-              <a:t>);</a:t>
-            </a:r>
-          </a:p>
-          <a:p>
-            <a:r>
-              <a:rPr lang="en-US" sz="3600" dirty="0" smtClean="0">
                 <a:solidFill>
                   <a:srgbClr val="000000"/>
                 </a:solidFill>
@@ -3311,13 +3029,6 @@
   <p:clrMapOvr>
     <a:masterClrMapping/>
   </p:clrMapOvr>
-  <p:timing>
-    <p:tnLst>
-      <p:par>
-        <p:cTn id="1" dur="indefinite" restart="never" nodeType="tmRoot"/>
-      </p:par>
-    </p:tnLst>
-  </p:timing>
 </p:sld>
 </file>
 
@@ -3394,21 +3105,8 @@
             </a:pPr>
             <a:r>
               <a:rPr lang="en-GB" altLang="en-US" sz="3200" b="1" dirty="0"/>
-              <a:t>REMEMBER</a:t>
-            </a:r>
-            <a:r>
-              <a:rPr lang="en-GB" altLang="en-US" sz="3200" b="1" dirty="0" smtClean="0"/>
-              <a:t>!! </a:t>
-            </a:r>
-            <a:r>
-              <a:rPr lang="en-GB" altLang="en-US" sz="3200" b="1" dirty="0"/>
-              <a:t>The index ALWAYS starts with </a:t>
-            </a:r>
-            <a:r>
-              <a:rPr lang="en-GB" altLang="en-US" sz="3200" b="1" dirty="0" smtClean="0"/>
-              <a:t>0</a:t>
-            </a:r>
-            <a:endParaRPr lang="en-GB" altLang="en-US" sz="3200" b="1" dirty="0"/>
+              <a:t>REMEMBER!! The index ALWAYS starts with 0</a:t>
+            </a:r>
           </a:p>
         </p:txBody>
       </p:sp>
@@ -3497,7 +3195,7 @@
               </a:rPr>
               <a:t>[5];</a:t>
             </a:r>
-            <a:endParaRPr lang="en-US" sz="2800" b="1" dirty="0" smtClean="0">
+            <a:endParaRPr lang="en-US" sz="2800" b="1" dirty="0">
               <a:solidFill>
                 <a:srgbClr val="083FA4"/>
               </a:solidFill>
@@ -3530,7 +3228,13 @@
             <a:tbl>
               <a:tblPr/>
               <a:tblGrid>
-                <a:gridCol w="2170112"/>
+                <a:gridCol w="2170112">
+                  <a:extLst>
+                    <a:ext uri="{9D8B030D-6E8A-4147-A177-3AD203B41FA5}">
+                      <a16:colId xmlns:a16="http://schemas.microsoft.com/office/drawing/2014/main" val="20000"/>
+                    </a:ext>
+                  </a:extLst>
+                </a:gridCol>
               </a:tblGrid>
               <a:tr h="682625">
                 <a:tc>
@@ -3556,7 +3260,7 @@
                         <a:buNone/>
                         <a:tabLst/>
                       </a:pPr>
-                      <a:endParaRPr kumimoji="0" lang="en-US" sz="2800" b="0" i="0" u="none" strike="noStrike" cap="none" normalizeH="0" baseline="0" dirty="0" smtClean="0">
+                      <a:endParaRPr kumimoji="0" lang="en-US" sz="2800" b="0" i="0" u="none" strike="noStrike" cap="none" normalizeH="0" baseline="0" dirty="0">
                         <a:ln>
                           <a:noFill/>
                         </a:ln>
@@ -3614,6 +3318,11 @@
                     <a:noFill/>
                   </a:tcPr>
                 </a:tc>
+                <a:extLst>
+                  <a:ext uri="{0D108BD9-81ED-4DB2-BD59-A6C34878D82A}">
+                    <a16:rowId xmlns:a16="http://schemas.microsoft.com/office/drawing/2014/main" val="10000"/>
+                  </a:ext>
+                </a:extLst>
               </a:tr>
               <a:tr h="682625">
                 <a:tc>
@@ -3639,7 +3348,7 @@
                         <a:buNone/>
                         <a:tabLst/>
                       </a:pPr>
-                      <a:endParaRPr kumimoji="0" lang="en-US" sz="2800" b="0" i="0" u="none" strike="noStrike" cap="none" normalizeH="0" baseline="0" dirty="0" smtClean="0">
+                      <a:endParaRPr kumimoji="0" lang="en-US" sz="2800" b="0" i="0" u="none" strike="noStrike" cap="none" normalizeH="0" baseline="0" dirty="0">
                         <a:ln>
                           <a:noFill/>
                         </a:ln>
@@ -3697,6 +3406,11 @@
                     <a:noFill/>
                   </a:tcPr>
                 </a:tc>
+                <a:extLst>
+                  <a:ext uri="{0D108BD9-81ED-4DB2-BD59-A6C34878D82A}">
+                    <a16:rowId xmlns:a16="http://schemas.microsoft.com/office/drawing/2014/main" val="10001"/>
+                  </a:ext>
+                </a:extLst>
               </a:tr>
               <a:tr h="682625">
                 <a:tc>
@@ -3722,7 +3436,7 @@
                         <a:buNone/>
                         <a:tabLst/>
                       </a:pPr>
-                      <a:endParaRPr kumimoji="0" lang="en-US" sz="2800" b="0" i="0" u="none" strike="noStrike" cap="none" normalizeH="0" baseline="0" smtClean="0">
+                      <a:endParaRPr kumimoji="0" lang="en-US" sz="2800" b="0" i="0" u="none" strike="noStrike" cap="none" normalizeH="0" baseline="0">
                         <a:ln>
                           <a:noFill/>
                         </a:ln>
@@ -3780,6 +3494,11 @@
                     <a:noFill/>
                   </a:tcPr>
                 </a:tc>
+                <a:extLst>
+                  <a:ext uri="{0D108BD9-81ED-4DB2-BD59-A6C34878D82A}">
+                    <a16:rowId xmlns:a16="http://schemas.microsoft.com/office/drawing/2014/main" val="10002"/>
+                  </a:ext>
+                </a:extLst>
               </a:tr>
               <a:tr h="682625">
                 <a:tc>
@@ -3805,7 +3524,7 @@
                         <a:buNone/>
                         <a:tabLst/>
                       </a:pPr>
-                      <a:endParaRPr kumimoji="0" lang="en-US" sz="2800" b="0" i="0" u="none" strike="noStrike" cap="none" normalizeH="0" baseline="0" smtClean="0">
+                      <a:endParaRPr kumimoji="0" lang="en-US" sz="2800" b="0" i="0" u="none" strike="noStrike" cap="none" normalizeH="0" baseline="0">
                         <a:ln>
                           <a:noFill/>
                         </a:ln>
@@ -3863,6 +3582,11 @@
                     <a:noFill/>
                   </a:tcPr>
                 </a:tc>
+                <a:extLst>
+                  <a:ext uri="{0D108BD9-81ED-4DB2-BD59-A6C34878D82A}">
+                    <a16:rowId xmlns:a16="http://schemas.microsoft.com/office/drawing/2014/main" val="10003"/>
+                  </a:ext>
+                </a:extLst>
               </a:tr>
               <a:tr h="682625">
                 <a:tc>
@@ -3888,7 +3612,7 @@
                         <a:buNone/>
                         <a:tabLst/>
                       </a:pPr>
-                      <a:endParaRPr kumimoji="0" lang="en-US" sz="2800" b="0" i="0" u="none" strike="noStrike" cap="none" normalizeH="0" baseline="0" dirty="0" smtClean="0">
+                      <a:endParaRPr kumimoji="0" lang="en-US" sz="2800" b="0" i="0" u="none" strike="noStrike" cap="none" normalizeH="0" baseline="0" dirty="0">
                         <a:ln>
                           <a:noFill/>
                         </a:ln>
@@ -3946,6 +3670,11 @@
                     <a:noFill/>
                   </a:tcPr>
                 </a:tc>
+                <a:extLst>
+                  <a:ext uri="{0D108BD9-81ED-4DB2-BD59-A6C34878D82A}">
+                    <a16:rowId xmlns:a16="http://schemas.microsoft.com/office/drawing/2014/main" val="10004"/>
+                  </a:ext>
+                </a:extLst>
               </a:tr>
             </a:tbl>
           </a:graphicData>
@@ -4169,13 +3898,8 @@
             </a:pPr>
             <a:r>
               <a:rPr lang="en-GB" altLang="en-US" sz="2400" b="1" dirty="0"/>
-              <a:t>mark [</a:t>
-            </a:r>
-            <a:r>
-              <a:rPr lang="en-GB" altLang="en-US" sz="2400" b="1" dirty="0" smtClean="0"/>
-              <a:t>0]</a:t>
-            </a:r>
-            <a:endParaRPr lang="en-GB" altLang="en-US" sz="2400" b="1" dirty="0"/>
+              <a:t>mark [0]</a:t>
+            </a:r>
           </a:p>
         </p:txBody>
       </p:sp>
@@ -4397,13 +4121,8 @@
             </a:pPr>
             <a:r>
               <a:rPr lang="en-GB" altLang="en-US" sz="2400" b="1" dirty="0"/>
-              <a:t>mark </a:t>
-            </a:r>
-            <a:r>
-              <a:rPr lang="en-GB" altLang="en-US" sz="2400" b="1" dirty="0" smtClean="0"/>
-              <a:t>[1]</a:t>
-            </a:r>
-            <a:endParaRPr lang="en-GB" altLang="en-US" sz="2400" b="1" dirty="0"/>
+              <a:t>mark [1]</a:t>
+            </a:r>
           </a:p>
         </p:txBody>
       </p:sp>
@@ -4625,13 +4344,8 @@
             </a:pPr>
             <a:r>
               <a:rPr lang="en-GB" altLang="en-US" sz="2400" b="1" dirty="0"/>
-              <a:t>mark </a:t>
-            </a:r>
-            <a:r>
-              <a:rPr lang="en-GB" altLang="en-US" sz="2400" b="1" dirty="0" smtClean="0"/>
-              <a:t>[2]</a:t>
-            </a:r>
-            <a:endParaRPr lang="en-GB" altLang="en-US" sz="2400" b="1" dirty="0"/>
+              <a:t>mark [2]</a:t>
+            </a:r>
           </a:p>
         </p:txBody>
       </p:sp>
@@ -4853,13 +4567,8 @@
             </a:pPr>
             <a:r>
               <a:rPr lang="en-GB" altLang="en-US" sz="2400" b="1" dirty="0"/>
-              <a:t>mark </a:t>
-            </a:r>
-            <a:r>
-              <a:rPr lang="en-GB" altLang="en-US" sz="2400" b="1" dirty="0" smtClean="0"/>
-              <a:t>[3]</a:t>
-            </a:r>
-            <a:endParaRPr lang="en-GB" altLang="en-US" sz="2400" b="1" dirty="0"/>
+              <a:t>mark [3]</a:t>
+            </a:r>
           </a:p>
         </p:txBody>
       </p:sp>
@@ -5081,13 +4790,8 @@
             </a:pPr>
             <a:r>
               <a:rPr lang="en-GB" altLang="en-US" sz="2400" b="1" dirty="0"/>
-              <a:t>mark </a:t>
-            </a:r>
-            <a:r>
-              <a:rPr lang="en-GB" altLang="en-US" sz="2400" b="1" dirty="0" smtClean="0"/>
-              <a:t>[4]</a:t>
-            </a:r>
-            <a:endParaRPr lang="en-GB" altLang="en-US" sz="2400" b="1" dirty="0"/>
+              <a:t>mark [4]</a:t>
+            </a:r>
           </a:p>
         </p:txBody>
       </p:sp>
@@ -5101,13 +4805,6 @@
   <p:clrMapOvr>
     <a:masterClrMapping/>
   </p:clrMapOvr>
-  <p:timing>
-    <p:tnLst>
-      <p:par>
-        <p:cTn id="1" dur="indefinite" restart="never" nodeType="tmRoot"/>
-      </p:par>
-    </p:tnLst>
-  </p:timing>
 </p:sld>
 </file>
 
@@ -5246,7 +4943,7 @@
               </a:rPr>
               <a:t>[5];</a:t>
             </a:r>
-            <a:endParaRPr lang="en-US" sz="2800" b="1" dirty="0" smtClean="0">
+            <a:endParaRPr lang="en-US" sz="2800" b="1" dirty="0">
               <a:solidFill>
                 <a:srgbClr val="083FA4"/>
               </a:solidFill>
@@ -5279,7 +4976,13 @@
             <a:tbl>
               <a:tblPr/>
               <a:tblGrid>
-                <a:gridCol w="2170112"/>
+                <a:gridCol w="2170112">
+                  <a:extLst>
+                    <a:ext uri="{9D8B030D-6E8A-4147-A177-3AD203B41FA5}">
+                      <a16:colId xmlns:a16="http://schemas.microsoft.com/office/drawing/2014/main" val="20000"/>
+                    </a:ext>
+                  </a:extLst>
+                </a:gridCol>
               </a:tblGrid>
               <a:tr h="682625">
                 <a:tc>
@@ -5306,7 +5009,7 @@
                         <a:tabLst/>
                       </a:pPr>
                       <a:r>
-                        <a:rPr kumimoji="0" lang="en-US" sz="2800" b="0" i="0" u="none" strike="noStrike" cap="none" normalizeH="0" baseline="0" dirty="0" smtClean="0">
+                        <a:rPr kumimoji="0" lang="en-US" sz="2800" b="0" i="0" u="none" strike="noStrike" cap="none" normalizeH="0" baseline="0" dirty="0">
                           <a:ln>
                             <a:noFill/>
                           </a:ln>
@@ -5366,6 +5069,11 @@
                     <a:noFill/>
                   </a:tcPr>
                 </a:tc>
+                <a:extLst>
+                  <a:ext uri="{0D108BD9-81ED-4DB2-BD59-A6C34878D82A}">
+                    <a16:rowId xmlns:a16="http://schemas.microsoft.com/office/drawing/2014/main" val="10000"/>
+                  </a:ext>
+                </a:extLst>
               </a:tr>
               <a:tr h="682625">
                 <a:tc>
@@ -5392,7 +5100,7 @@
                         <a:tabLst/>
                       </a:pPr>
                       <a:r>
-                        <a:rPr kumimoji="0" lang="en-US" sz="2800" b="0" i="0" u="none" strike="noStrike" cap="none" normalizeH="0" baseline="0" dirty="0" smtClean="0">
+                        <a:rPr kumimoji="0" lang="en-US" sz="2800" b="0" i="0" u="none" strike="noStrike" cap="none" normalizeH="0" baseline="0" dirty="0">
                           <a:ln>
                             <a:noFill/>
                           </a:ln>
@@ -5452,6 +5160,11 @@
                     <a:noFill/>
                   </a:tcPr>
                 </a:tc>
+                <a:extLst>
+                  <a:ext uri="{0D108BD9-81ED-4DB2-BD59-A6C34878D82A}">
+                    <a16:rowId xmlns:a16="http://schemas.microsoft.com/office/drawing/2014/main" val="10001"/>
+                  </a:ext>
+                </a:extLst>
               </a:tr>
               <a:tr h="682625">
                 <a:tc>
@@ -5478,7 +5191,7 @@
                         <a:tabLst/>
                       </a:pPr>
                       <a:r>
-                        <a:rPr kumimoji="0" lang="en-US" sz="2800" b="0" i="0" u="none" strike="noStrike" cap="none" normalizeH="0" baseline="0" dirty="0" smtClean="0">
+                        <a:rPr kumimoji="0" lang="en-US" sz="2800" b="0" i="0" u="none" strike="noStrike" cap="none" normalizeH="0" baseline="0" dirty="0">
                           <a:ln>
                             <a:noFill/>
                           </a:ln>
@@ -5538,6 +5251,11 @@
                     <a:noFill/>
                   </a:tcPr>
                 </a:tc>
+                <a:extLst>
+                  <a:ext uri="{0D108BD9-81ED-4DB2-BD59-A6C34878D82A}">
+                    <a16:rowId xmlns:a16="http://schemas.microsoft.com/office/drawing/2014/main" val="10002"/>
+                  </a:ext>
+                </a:extLst>
               </a:tr>
               <a:tr h="682625">
                 <a:tc>
@@ -5564,7 +5282,7 @@
                         <a:tabLst/>
                       </a:pPr>
                       <a:r>
-                        <a:rPr kumimoji="0" lang="en-US" sz="2800" b="0" i="0" u="none" strike="noStrike" cap="none" normalizeH="0" baseline="0" dirty="0" smtClean="0">
+                        <a:rPr kumimoji="0" lang="en-US" sz="2800" b="0" i="0" u="none" strike="noStrike" cap="none" normalizeH="0" baseline="0" dirty="0">
                           <a:ln>
                             <a:noFill/>
                           </a:ln>
@@ -5624,6 +5342,11 @@
                     <a:noFill/>
                   </a:tcPr>
                 </a:tc>
+                <a:extLst>
+                  <a:ext uri="{0D108BD9-81ED-4DB2-BD59-A6C34878D82A}">
+                    <a16:rowId xmlns:a16="http://schemas.microsoft.com/office/drawing/2014/main" val="10003"/>
+                  </a:ext>
+                </a:extLst>
               </a:tr>
               <a:tr h="682625">
                 <a:tc>
@@ -5650,7 +5373,7 @@
                         <a:tabLst/>
                       </a:pPr>
                       <a:r>
-                        <a:rPr kumimoji="0" lang="en-US" sz="2800" b="0" i="0" u="none" strike="noStrike" cap="none" normalizeH="0" baseline="0" dirty="0" smtClean="0">
+                        <a:rPr kumimoji="0" lang="en-US" sz="2800" b="0" i="0" u="none" strike="noStrike" cap="none" normalizeH="0" baseline="0" dirty="0">
                           <a:ln>
                             <a:noFill/>
                           </a:ln>
@@ -5710,6 +5433,11 @@
                     <a:noFill/>
                   </a:tcPr>
                 </a:tc>
+                <a:extLst>
+                  <a:ext uri="{0D108BD9-81ED-4DB2-BD59-A6C34878D82A}">
+                    <a16:rowId xmlns:a16="http://schemas.microsoft.com/office/drawing/2014/main" val="10004"/>
+                  </a:ext>
+                </a:extLst>
               </a:tr>
             </a:tbl>
           </a:graphicData>
@@ -5933,13 +5661,8 @@
             </a:pPr>
             <a:r>
               <a:rPr lang="en-GB" altLang="en-US" sz="2400" b="1" dirty="0"/>
-              <a:t>mark </a:t>
-            </a:r>
-            <a:r>
-              <a:rPr lang="en-GB" altLang="en-US" sz="2400" b="1" dirty="0" smtClean="0"/>
-              <a:t>[0] = 35;</a:t>
-            </a:r>
-            <a:endParaRPr lang="en-GB" altLang="en-US" sz="2400" b="1" dirty="0"/>
+              <a:t>mark [0] = 35;</a:t>
+            </a:r>
           </a:p>
         </p:txBody>
       </p:sp>
@@ -6161,21 +5884,8 @@
             </a:pPr>
             <a:r>
               <a:rPr lang="en-GB" altLang="en-US" sz="2400" b="1" dirty="0"/>
-              <a:t>mark </a:t>
-            </a:r>
-            <a:r>
-              <a:rPr lang="en-GB" altLang="en-US" sz="2400" b="1" dirty="0" smtClean="0"/>
-              <a:t>[1</a:t>
-            </a:r>
-            <a:r>
-              <a:rPr lang="en-GB" altLang="en-US" sz="2400" b="1" dirty="0"/>
-              <a:t>]</a:t>
-            </a:r>
-            <a:r>
-              <a:rPr lang="en-GB" altLang="en-US" sz="2400" b="1" dirty="0" smtClean="0"/>
-              <a:t> = 49;</a:t>
-            </a:r>
-            <a:endParaRPr lang="en-GB" altLang="en-US" sz="2400" b="1" dirty="0"/>
+              <a:t>mark [1] = 49;</a:t>
+            </a:r>
           </a:p>
         </p:txBody>
       </p:sp>
@@ -6397,21 +6107,8 @@
             </a:pPr>
             <a:r>
               <a:rPr lang="en-GB" altLang="en-US" sz="2400" b="1" dirty="0"/>
-              <a:t>mark </a:t>
-            </a:r>
-            <a:r>
-              <a:rPr lang="en-GB" altLang="en-US" sz="2400" b="1" dirty="0" smtClean="0"/>
-              <a:t>[2</a:t>
-            </a:r>
-            <a:r>
-              <a:rPr lang="en-GB" altLang="en-US" sz="2400" b="1" dirty="0"/>
-              <a:t>]</a:t>
-            </a:r>
-            <a:r>
-              <a:rPr lang="en-GB" altLang="en-US" sz="2400" b="1" dirty="0" smtClean="0"/>
-              <a:t> = 29;</a:t>
-            </a:r>
-            <a:endParaRPr lang="en-GB" altLang="en-US" sz="2400" b="1" dirty="0"/>
+              <a:t>mark [2] = 29;</a:t>
+            </a:r>
           </a:p>
         </p:txBody>
       </p:sp>
@@ -6633,13 +6330,8 @@
             </a:pPr>
             <a:r>
               <a:rPr lang="en-GB" altLang="en-US" sz="2400" b="1" dirty="0"/>
-              <a:t>mark </a:t>
-            </a:r>
-            <a:r>
-              <a:rPr lang="en-GB" altLang="en-US" sz="2400" b="1" dirty="0" smtClean="0"/>
-              <a:t>[3] = 57;</a:t>
-            </a:r>
-            <a:endParaRPr lang="en-GB" altLang="en-US" sz="2400" b="1" dirty="0"/>
+              <a:t>mark [3] = 57;</a:t>
+            </a:r>
           </a:p>
         </p:txBody>
       </p:sp>
@@ -6861,21 +6553,8 @@
             </a:pPr>
             <a:r>
               <a:rPr lang="en-GB" altLang="en-US" sz="2400" b="1" dirty="0"/>
-              <a:t>mark </a:t>
-            </a:r>
-            <a:r>
-              <a:rPr lang="en-GB" altLang="en-US" sz="2400" b="1" dirty="0" smtClean="0"/>
-              <a:t>[4</a:t>
-            </a:r>
-            <a:r>
-              <a:rPr lang="en-GB" altLang="en-US" sz="2400" b="1" dirty="0"/>
-              <a:t>]</a:t>
-            </a:r>
-            <a:r>
-              <a:rPr lang="en-GB" altLang="en-US" sz="2400" b="1" dirty="0" smtClean="0"/>
-              <a:t> = 76;</a:t>
-            </a:r>
-            <a:endParaRPr lang="en-GB" altLang="en-US" sz="2400" b="1" dirty="0"/>
+              <a:t>mark [4] = 76;</a:t>
+            </a:r>
           </a:p>
         </p:txBody>
       </p:sp>
@@ -6889,13 +6568,6 @@
   <p:clrMapOvr>
     <a:masterClrMapping/>
   </p:clrMapOvr>
-  <p:timing>
-    <p:tnLst>
-      <p:par>
-        <p:cTn id="1" dur="indefinite" restart="never" nodeType="tmRoot"/>
-      </p:par>
-    </p:tnLst>
-  </p:timing>
 </p:sld>
 </file>
 
@@ -6932,7 +6604,7 @@
           <a:lstStyle/>
           <a:p>
             <a:r>
-              <a:rPr lang="en-US" altLang="en-US" dirty="0" smtClean="0"/>
+              <a:rPr lang="en-US" altLang="en-US" dirty="0"/>
               <a:t>Array with known elements</a:t>
             </a:r>
             <a:endParaRPr lang="en-US" dirty="0"/>
@@ -6962,11 +6634,7 @@
             </a:pPr>
             <a:r>
               <a:rPr lang="en-GB" altLang="en-US" sz="3200" dirty="0"/>
-              <a:t>If the elements are known in advance use another way</a:t>
-            </a:r>
-            <a:r>
-              <a:rPr lang="en-GB" altLang="en-US" sz="3200" dirty="0" smtClean="0"/>
-              <a:t>:</a:t>
+              <a:t>If the elements are known in advance use another way:</a:t>
             </a:r>
           </a:p>
           <a:p>
@@ -6985,7 +6653,7 @@
               </a:lnSpc>
               <a:buNone/>
             </a:pPr>
-            <a:endParaRPr lang="en-GB" altLang="en-US" sz="3200" dirty="0" smtClean="0"/>
+            <a:endParaRPr lang="en-GB" altLang="en-US" sz="3200" dirty="0"/>
           </a:p>
           <a:p>
             <a:pPr marL="0" indent="0">
@@ -6995,18 +6663,9 @@
               <a:buNone/>
             </a:pPr>
             <a:r>
-              <a:rPr lang="en-GB" altLang="en-US" sz="3200" dirty="0" smtClean="0"/>
-              <a:t>It </a:t>
-            </a:r>
-            <a:r>
               <a:rPr lang="en-GB" altLang="en-US" sz="3200" dirty="0"/>
-              <a:t>should be used only when we know values at the time of writing the </a:t>
-            </a:r>
-            <a:r>
-              <a:rPr lang="en-GB" altLang="en-US" sz="3200" dirty="0" smtClean="0"/>
-              <a:t>code</a:t>
-            </a:r>
-            <a:endParaRPr lang="en-GB" altLang="en-US" sz="3200" dirty="0"/>
+              <a:t>It should be used only when we know values at the time of writing the code</a:t>
+            </a:r>
           </a:p>
         </p:txBody>
       </p:sp>
@@ -7112,13 +6771,6 @@
   <p:clrMapOvr>
     <a:masterClrMapping/>
   </p:clrMapOvr>
-  <p:timing>
-    <p:tnLst>
-      <p:par>
-        <p:cTn id="1" dur="indefinite" restart="never" nodeType="tmRoot"/>
-      </p:par>
-    </p:tnLst>
-  </p:timing>
 </p:sld>
 </file>
 
@@ -7163,11 +6815,11 @@
           <a:p>
             <a:pPr algn="ctr"/>
             <a:r>
-              <a:rPr lang="en-GB" sz="4800" b="1" dirty="0" smtClean="0"/>
+              <a:rPr lang="en-GB" sz="4800" b="1" dirty="0"/>
               <a:t>Fundamentals</a:t>
             </a:r>
             <a:r>
-              <a:rPr lang="en-GB" sz="4400" b="1" dirty="0" smtClean="0"/>
+              <a:rPr lang="en-GB" sz="4400" b="1" dirty="0"/>
               <a:t> of Programming</a:t>
             </a:r>
             <a:endParaRPr lang="en-US" sz="4400" b="1" dirty="0"/>
@@ -7208,19 +6860,19 @@
               </a:buClr>
             </a:pPr>
             <a:r>
-              <a:rPr lang="en-US" sz="4000" b="1" dirty="0" smtClean="0"/>
+              <a:rPr lang="en-US" sz="4000" b="1" dirty="0"/>
               <a:t>Lecture</a:t>
             </a:r>
             <a:r>
-              <a:rPr lang="en-US" sz="3600" b="1" dirty="0" smtClean="0"/>
+              <a:rPr lang="en-US" sz="3600" b="1" dirty="0"/>
               <a:t> 5.</a:t>
             </a:r>
             <a:r>
-              <a:rPr lang="en-US" sz="3600" dirty="0" smtClean="0"/>
+              <a:rPr lang="en-US" sz="3600" dirty="0"/>
               <a:t> </a:t>
             </a:r>
             <a:r>
-              <a:rPr lang="en-US" altLang="en-US" sz="3600" dirty="0" smtClean="0"/>
+              <a:rPr lang="en-US" altLang="en-US" sz="3600" dirty="0"/>
               <a:t>Arrays. Introduction to one-dimensional and two-dimensional arrays</a:t>
             </a:r>
             <a:endParaRPr lang="ru-RU" altLang="en-US" sz="3600" dirty="0"/>
@@ -7237,13 +6889,6 @@
   <p:clrMapOvr>
     <a:masterClrMapping/>
   </p:clrMapOvr>
-  <p:timing>
-    <p:tnLst>
-      <p:par>
-        <p:cTn id="1" dur="indefinite" restart="never" nodeType="tmRoot"/>
-      </p:par>
-    </p:tnLst>
-  </p:timing>
 </p:sld>
 </file>
 
@@ -7309,7 +6954,7 @@
               <a:buNone/>
             </a:pPr>
             <a:r>
-              <a:rPr lang="en-US" altLang="en-US" sz="3200" dirty="0" err="1" smtClean="0">
+              <a:rPr lang="en-US" altLang="en-US" sz="3200" dirty="0" err="1">
                 <a:solidFill>
                   <a:srgbClr val="083FA4"/>
                 </a:solidFill>
@@ -7317,12 +6962,8 @@
               <a:t>foreach</a:t>
             </a:r>
             <a:r>
-              <a:rPr lang="en-US" altLang="en-US" sz="3200" dirty="0" smtClean="0"/>
-              <a:t> </a:t>
-            </a:r>
-            <a:r>
               <a:rPr lang="en-US" altLang="en-US" sz="3200" dirty="0"/>
-              <a:t>loop iterates through all elements of array</a:t>
+              <a:t> loop iterates through all elements of array</a:t>
             </a:r>
           </a:p>
         </p:txBody>
@@ -7392,7 +7033,7 @@
           </a:p>
           <a:p>
             <a:r>
-              <a:rPr lang="en-US" sz="3200" dirty="0" err="1" smtClean="0">
+              <a:rPr lang="en-US" sz="3200" dirty="0" err="1">
                 <a:solidFill>
                   <a:srgbClr val="0000FF"/>
                 </a:solidFill>
@@ -7401,13 +7042,22 @@
               <a:t>foreach</a:t>
             </a:r>
             <a:r>
-              <a:rPr lang="en-US" sz="3200" dirty="0" smtClean="0">
+              <a:rPr lang="en-US" sz="3200" dirty="0">
                 <a:solidFill>
                   <a:srgbClr val="000000"/>
                 </a:solidFill>
                 <a:latin typeface="Consolas" panose="020B0609020204030204" pitchFamily="49" charset="0"/>
               </a:rPr>
-              <a:t> </a:t>
+              <a:t> (</a:t>
+            </a:r>
+            <a:r>
+              <a:rPr lang="en-US" sz="3200" dirty="0" err="1">
+                <a:solidFill>
+                  <a:srgbClr val="000000"/>
+                </a:solidFill>
+                <a:latin typeface="Consolas" panose="020B0609020204030204" pitchFamily="49" charset="0"/>
+              </a:rPr>
+              <a:t>var</a:t>
             </a:r>
             <a:r>
               <a:rPr lang="en-US" sz="3200" dirty="0">
@@ -7416,8 +7066,79 @@
                 </a:solidFill>
                 <a:latin typeface="Consolas" panose="020B0609020204030204" pitchFamily="49" charset="0"/>
               </a:rPr>
-              <a:t>(</a:t>
-            </a:r>
+              <a:t> mark </a:t>
+            </a:r>
+            <a:r>
+              <a:rPr lang="en-US" sz="3200" dirty="0">
+                <a:solidFill>
+                  <a:srgbClr val="0000FF"/>
+                </a:solidFill>
+                <a:latin typeface="Consolas" panose="020B0609020204030204" pitchFamily="49" charset="0"/>
+              </a:rPr>
+              <a:t>in</a:t>
+            </a:r>
+            <a:r>
+              <a:rPr lang="en-US" sz="3200" dirty="0">
+                <a:solidFill>
+                  <a:srgbClr val="000000"/>
+                </a:solidFill>
+                <a:latin typeface="Consolas" panose="020B0609020204030204" pitchFamily="49" charset="0"/>
+              </a:rPr>
+              <a:t> marks)</a:t>
+            </a:r>
+          </a:p>
+          <a:p>
+            <a:r>
+              <a:rPr lang="en-US" sz="3200" dirty="0">
+                <a:solidFill>
+                  <a:srgbClr val="000000"/>
+                </a:solidFill>
+                <a:latin typeface="Consolas" panose="020B0609020204030204" pitchFamily="49" charset="0"/>
+              </a:rPr>
+              <a:t>{</a:t>
+            </a:r>
+          </a:p>
+          <a:p>
+            <a:r>
+              <a:rPr lang="en-US" sz="3200" dirty="0">
+                <a:solidFill>
+                  <a:srgbClr val="000000"/>
+                </a:solidFill>
+                <a:latin typeface="Consolas" panose="020B0609020204030204" pitchFamily="49" charset="0"/>
+              </a:rPr>
+              <a:t>	message += mark + </a:t>
+            </a:r>
+            <a:r>
+              <a:rPr lang="en-US" sz="3200" dirty="0">
+                <a:solidFill>
+                  <a:srgbClr val="A31515"/>
+                </a:solidFill>
+                <a:latin typeface="Consolas" panose="020B0609020204030204" pitchFamily="49" charset="0"/>
+              </a:rPr>
+              <a:t>"\n"</a:t>
+            </a:r>
+            <a:r>
+              <a:rPr lang="en-US" sz="3200" dirty="0">
+                <a:solidFill>
+                  <a:srgbClr val="000000"/>
+                </a:solidFill>
+                <a:latin typeface="Consolas" panose="020B0609020204030204" pitchFamily="49" charset="0"/>
+              </a:rPr>
+              <a:t>;</a:t>
+            </a:r>
+          </a:p>
+          <a:p>
+            <a:r>
+              <a:rPr lang="en-US" sz="3200" dirty="0">
+                <a:solidFill>
+                  <a:srgbClr val="000000"/>
+                </a:solidFill>
+                <a:latin typeface="Consolas" panose="020B0609020204030204" pitchFamily="49" charset="0"/>
+              </a:rPr>
+              <a:t>}</a:t>
+            </a:r>
+          </a:p>
+          <a:p>
             <a:r>
               <a:rPr lang="en-US" sz="3200" dirty="0" err="1">
                 <a:solidFill>
@@ -7425,7 +7146,7 @@
                 </a:solidFill>
                 <a:latin typeface="Consolas" panose="020B0609020204030204" pitchFamily="49" charset="0"/>
               </a:rPr>
-              <a:t>var</a:t>
+              <a:t>MessageBox.Show</a:t>
             </a:r>
             <a:r>
               <a:rPr lang="en-US" sz="3200" dirty="0">
@@ -7434,128 +7155,9 @@
                 </a:solidFill>
                 <a:latin typeface="Consolas" panose="020B0609020204030204" pitchFamily="49" charset="0"/>
               </a:rPr>
-              <a:t> mark </a:t>
-            </a:r>
-            <a:r>
-              <a:rPr lang="en-US" sz="3200" dirty="0">
-                <a:solidFill>
-                  <a:srgbClr val="0000FF"/>
-                </a:solidFill>
-                <a:latin typeface="Consolas" panose="020B0609020204030204" pitchFamily="49" charset="0"/>
-              </a:rPr>
-              <a:t>in</a:t>
-            </a:r>
-            <a:r>
-              <a:rPr lang="en-US" sz="3200" dirty="0">
-                <a:solidFill>
-                  <a:srgbClr val="000000"/>
-                </a:solidFill>
-                <a:latin typeface="Consolas" panose="020B0609020204030204" pitchFamily="49" charset="0"/>
-              </a:rPr>
-              <a:t> marks)</a:t>
-            </a:r>
-          </a:p>
-          <a:p>
-            <a:r>
-              <a:rPr lang="en-US" sz="3200" dirty="0" smtClean="0">
-                <a:solidFill>
-                  <a:srgbClr val="000000"/>
-                </a:solidFill>
-                <a:latin typeface="Consolas" panose="020B0609020204030204" pitchFamily="49" charset="0"/>
-              </a:rPr>
-              <a:t>{</a:t>
-            </a:r>
-            <a:endParaRPr lang="en-US" sz="3200" dirty="0">
-              <a:solidFill>
-                <a:srgbClr val="000000"/>
-              </a:solidFill>
-              <a:latin typeface="Consolas" panose="020B0609020204030204" pitchFamily="49" charset="0"/>
-            </a:endParaRPr>
-          </a:p>
-          <a:p>
-            <a:r>
-              <a:rPr lang="en-US" sz="3200" dirty="0" smtClean="0">
-                <a:solidFill>
-                  <a:srgbClr val="000000"/>
-                </a:solidFill>
-                <a:latin typeface="Consolas" panose="020B0609020204030204" pitchFamily="49" charset="0"/>
-              </a:rPr>
-              <a:t>	message </a:t>
-            </a:r>
-            <a:r>
-              <a:rPr lang="en-US" sz="3200" dirty="0">
-                <a:solidFill>
-                  <a:srgbClr val="000000"/>
-                </a:solidFill>
-                <a:latin typeface="Consolas" panose="020B0609020204030204" pitchFamily="49" charset="0"/>
-              </a:rPr>
-              <a:t>+= mark + </a:t>
-            </a:r>
-            <a:r>
-              <a:rPr lang="en-US" sz="3200" dirty="0">
-                <a:solidFill>
-                  <a:srgbClr val="A31515"/>
-                </a:solidFill>
-                <a:latin typeface="Consolas" panose="020B0609020204030204" pitchFamily="49" charset="0"/>
-              </a:rPr>
-              <a:t>"\n"</a:t>
-            </a:r>
-            <a:r>
-              <a:rPr lang="en-US" sz="3200" dirty="0">
-                <a:solidFill>
-                  <a:srgbClr val="000000"/>
-                </a:solidFill>
-                <a:latin typeface="Consolas" panose="020B0609020204030204" pitchFamily="49" charset="0"/>
-              </a:rPr>
-              <a:t>;</a:t>
-            </a:r>
-          </a:p>
-          <a:p>
-            <a:r>
-              <a:rPr lang="en-US" sz="3200" dirty="0" smtClean="0">
-                <a:solidFill>
-                  <a:srgbClr val="000000"/>
-                </a:solidFill>
-                <a:latin typeface="Consolas" panose="020B0609020204030204" pitchFamily="49" charset="0"/>
-              </a:rPr>
-              <a:t>}</a:t>
-            </a:r>
-            <a:endParaRPr lang="en-US" sz="3200" dirty="0">
-              <a:solidFill>
-                <a:srgbClr val="000000"/>
-              </a:solidFill>
-              <a:latin typeface="Consolas" panose="020B0609020204030204" pitchFamily="49" charset="0"/>
-            </a:endParaRPr>
-          </a:p>
-          <a:p>
-            <a:r>
-              <a:rPr lang="en-US" sz="3200" dirty="0" err="1" smtClean="0">
-                <a:solidFill>
-                  <a:srgbClr val="000000"/>
-                </a:solidFill>
-                <a:latin typeface="Consolas" panose="020B0609020204030204" pitchFamily="49" charset="0"/>
-              </a:rPr>
-              <a:t>MessageBox.Show</a:t>
-            </a:r>
-            <a:r>
-              <a:rPr lang="en-US" sz="3200" dirty="0" smtClean="0">
-                <a:solidFill>
-                  <a:srgbClr val="000000"/>
-                </a:solidFill>
-                <a:latin typeface="Consolas" panose="020B0609020204030204" pitchFamily="49" charset="0"/>
-              </a:rPr>
-              <a:t>(message</a:t>
-            </a:r>
-            <a:r>
-              <a:rPr lang="en-US" sz="3200" dirty="0">
-                <a:solidFill>
-                  <a:srgbClr val="000000"/>
-                </a:solidFill>
-                <a:latin typeface="Consolas" panose="020B0609020204030204" pitchFamily="49" charset="0"/>
-              </a:rPr>
-              <a:t>);</a:t>
-            </a:r>
-            <a:endParaRPr lang="en-US" sz="8800" b="1" dirty="0" smtClean="0">
+              <a:t>(message);</a:t>
+            </a:r>
+            <a:endParaRPr lang="en-US" sz="8800" b="1" dirty="0">
               <a:latin typeface="Courier New" panose="02070309020205020404" pitchFamily="49" charset="0"/>
               <a:cs typeface="Courier New" panose="02070309020205020404" pitchFamily="49" charset="0"/>
             </a:endParaRPr>
@@ -7572,13 +7174,6 @@
   <p:clrMapOvr>
     <a:masterClrMapping/>
   </p:clrMapOvr>
-  <p:timing>
-    <p:tnLst>
-      <p:par>
-        <p:cTn id="1" dur="indefinite" restart="never" nodeType="tmRoot"/>
-      </p:par>
-    </p:tnLst>
-  </p:timing>
 </p:sld>
 </file>
 
@@ -7615,7 +7210,7 @@
           <a:lstStyle/>
           <a:p>
             <a:r>
-              <a:rPr lang="en-US" altLang="en-US" dirty="0" smtClean="0"/>
+              <a:rPr lang="en-US" altLang="en-US" dirty="0"/>
               <a:t>For Each loop</a:t>
             </a:r>
             <a:endParaRPr lang="en-US" dirty="0"/>
@@ -7694,7 +7289,7 @@
           </a:p>
           <a:p>
             <a:r>
-              <a:rPr lang="en-US" dirty="0" err="1" smtClean="0">
+              <a:rPr lang="en-US" dirty="0" err="1">
                 <a:solidFill>
                   <a:srgbClr val="0000FF"/>
                 </a:solidFill>
@@ -7703,7 +7298,7 @@
               <a:t>var</a:t>
             </a:r>
             <a:r>
-              <a:rPr lang="en-US" dirty="0" smtClean="0">
+              <a:rPr lang="en-US" dirty="0">
                 <a:solidFill>
                   <a:srgbClr val="000000"/>
                 </a:solidFill>
@@ -7750,7 +7345,7 @@
           </a:p>
           <a:p>
             <a:r>
-              <a:rPr lang="en-US" dirty="0" err="1" smtClean="0">
+              <a:rPr lang="en-US" dirty="0" err="1">
                 <a:solidFill>
                   <a:srgbClr val="0000FF"/>
                 </a:solidFill>
@@ -7759,7 +7354,7 @@
               <a:t>var</a:t>
             </a:r>
             <a:r>
-              <a:rPr lang="en-US" dirty="0" smtClean="0">
+              <a:rPr lang="en-US" dirty="0">
                 <a:solidFill>
                   <a:srgbClr val="000000"/>
                 </a:solidFill>
@@ -7788,7 +7383,7 @@
           </a:p>
           <a:p>
             <a:r>
-              <a:rPr lang="en-US" dirty="0" err="1" smtClean="0">
+              <a:rPr lang="en-US" dirty="0" err="1">
                 <a:solidFill>
                   <a:srgbClr val="0000FF"/>
                 </a:solidFill>
@@ -7797,31 +7392,89 @@
               <a:t>foreach</a:t>
             </a:r>
             <a:r>
-              <a:rPr lang="en-US" dirty="0" smtClean="0">
+              <a:rPr lang="en-US" dirty="0">
                 <a:solidFill>
                   <a:srgbClr val="000000"/>
                 </a:solidFill>
                 <a:latin typeface="Consolas" panose="020B0609020204030204" pitchFamily="49" charset="0"/>
               </a:rPr>
+              <a:t> (</a:t>
+            </a:r>
+            <a:r>
+              <a:rPr lang="en-US" dirty="0">
+                <a:solidFill>
+                  <a:srgbClr val="0000FF"/>
+                </a:solidFill>
+                <a:latin typeface="Consolas" panose="020B0609020204030204" pitchFamily="49" charset="0"/>
+              </a:rPr>
+              <a:t>char</a:t>
+            </a:r>
+            <a:r>
+              <a:rPr lang="en-US" dirty="0">
+                <a:solidFill>
+                  <a:srgbClr val="000000"/>
+                </a:solidFill>
+                <a:latin typeface="Consolas" panose="020B0609020204030204" pitchFamily="49" charset="0"/>
+              </a:rPr>
+              <a:t> c </a:t>
+            </a:r>
+            <a:r>
+              <a:rPr lang="en-US" dirty="0">
+                <a:solidFill>
+                  <a:srgbClr val="0000FF"/>
+                </a:solidFill>
+                <a:latin typeface="Consolas" panose="020B0609020204030204" pitchFamily="49" charset="0"/>
+              </a:rPr>
+              <a:t>in</a:t>
+            </a:r>
+            <a:r>
+              <a:rPr lang="en-US" dirty="0">
+                <a:solidFill>
+                  <a:srgbClr val="000000"/>
+                </a:solidFill>
+                <a:latin typeface="Consolas" panose="020B0609020204030204" pitchFamily="49" charset="0"/>
+              </a:rPr>
               <a:t> </a:t>
             </a:r>
             <a:r>
+              <a:rPr lang="en-US" dirty="0" err="1">
+                <a:solidFill>
+                  <a:srgbClr val="000000"/>
+                </a:solidFill>
+                <a:latin typeface="Consolas" panose="020B0609020204030204" pitchFamily="49" charset="0"/>
+              </a:rPr>
+              <a:t>str</a:t>
+            </a:r>
+            <a:r>
               <a:rPr lang="en-US" dirty="0">
                 <a:solidFill>
                   <a:srgbClr val="000000"/>
                 </a:solidFill>
                 <a:latin typeface="Consolas" panose="020B0609020204030204" pitchFamily="49" charset="0"/>
               </a:rPr>
-              <a:t>(</a:t>
-            </a:r>
+              <a:t>)</a:t>
+            </a:r>
+          </a:p>
+          <a:p>
             <a:r>
               <a:rPr lang="en-US" dirty="0">
                 <a:solidFill>
+                  <a:srgbClr val="000000"/>
+                </a:solidFill>
+                <a:latin typeface="Consolas" panose="020B0609020204030204" pitchFamily="49" charset="0"/>
+              </a:rPr>
+              <a:t>{</a:t>
+            </a:r>
+          </a:p>
+          <a:p>
+            <a:r>
+              <a:rPr lang="en-US" dirty="0">
+                <a:solidFill>
                   <a:srgbClr val="0000FF"/>
                 </a:solidFill>
                 <a:latin typeface="Consolas" panose="020B0609020204030204" pitchFamily="49" charset="0"/>
               </a:rPr>
-              <a:t>char</a:t>
+              <a:t>	if</a:t>
             </a:r>
             <a:r>
               <a:rPr lang="en-US" dirty="0">
@@ -7830,16 +7483,16 @@
                 </a:solidFill>
                 <a:latin typeface="Consolas" panose="020B0609020204030204" pitchFamily="49" charset="0"/>
               </a:rPr>
-              <a:t> c </a:t>
+              <a:t> (c == </a:t>
             </a:r>
             <a:r>
               <a:rPr lang="en-US" dirty="0">
                 <a:solidFill>
-                  <a:srgbClr val="0000FF"/>
-                </a:solidFill>
-                <a:latin typeface="Consolas" panose="020B0609020204030204" pitchFamily="49" charset="0"/>
-              </a:rPr>
-              <a:t>in</a:t>
+                  <a:srgbClr val="A31515"/>
+                </a:solidFill>
+                <a:latin typeface="Consolas" panose="020B0609020204030204" pitchFamily="49" charset="0"/>
+              </a:rPr>
+              <a:t>' '</a:t>
             </a:r>
             <a:r>
               <a:rPr lang="en-US" dirty="0">
@@ -7848,7 +7501,18 @@
                 </a:solidFill>
                 <a:latin typeface="Consolas" panose="020B0609020204030204" pitchFamily="49" charset="0"/>
               </a:rPr>
-              <a:t> </a:t>
+              <a:t>)</a:t>
+            </a:r>
+          </a:p>
+          <a:p>
+            <a:r>
+              <a:rPr lang="en-US" dirty="0">
+                <a:solidFill>
+                  <a:srgbClr val="000000"/>
+                </a:solidFill>
+                <a:latin typeface="Consolas" panose="020B0609020204030204" pitchFamily="49" charset="0"/>
+              </a:rPr>
+              <a:t>		</a:t>
             </a:r>
             <a:r>
               <a:rPr lang="en-US" dirty="0" err="1">
@@ -7857,7 +7521,7 @@
                 </a:solidFill>
                 <a:latin typeface="Consolas" panose="020B0609020204030204" pitchFamily="49" charset="0"/>
               </a:rPr>
-              <a:t>str</a:t>
+              <a:t>noOfSpaces</a:t>
             </a:r>
             <a:r>
               <a:rPr lang="en-US" dirty="0">
@@ -7866,105 +7530,12 @@
                 </a:solidFill>
                 <a:latin typeface="Consolas" panose="020B0609020204030204" pitchFamily="49" charset="0"/>
               </a:rPr>
-              <a:t>)</a:t>
-            </a:r>
-          </a:p>
-          <a:p>
-            <a:r>
-              <a:rPr lang="en-US" dirty="0" smtClean="0">
-                <a:solidFill>
-                  <a:srgbClr val="000000"/>
-                </a:solidFill>
-                <a:latin typeface="Consolas" panose="020B0609020204030204" pitchFamily="49" charset="0"/>
-              </a:rPr>
-              <a:t>{</a:t>
-            </a:r>
-            <a:endParaRPr lang="en-US" dirty="0">
-              <a:solidFill>
-                <a:srgbClr val="000000"/>
-              </a:solidFill>
-              <a:latin typeface="Consolas" panose="020B0609020204030204" pitchFamily="49" charset="0"/>
-            </a:endParaRPr>
-          </a:p>
-          <a:p>
-            <a:r>
-              <a:rPr lang="en-US" dirty="0" smtClean="0">
-                <a:solidFill>
-                  <a:srgbClr val="0000FF"/>
-                </a:solidFill>
-                <a:latin typeface="Consolas" panose="020B0609020204030204" pitchFamily="49" charset="0"/>
-              </a:rPr>
-              <a:t>	if</a:t>
-            </a:r>
-            <a:r>
-              <a:rPr lang="en-US" dirty="0" smtClean="0">
-                <a:solidFill>
-                  <a:srgbClr val="000000"/>
-                </a:solidFill>
-                <a:latin typeface="Consolas" panose="020B0609020204030204" pitchFamily="49" charset="0"/>
-              </a:rPr>
-              <a:t> </a:t>
-            </a:r>
+              <a:t>++;</a:t>
+            </a:r>
+          </a:p>
+          <a:p>
             <a:r>
               <a:rPr lang="en-US" dirty="0">
-                <a:solidFill>
-                  <a:srgbClr val="000000"/>
-                </a:solidFill>
-                <a:latin typeface="Consolas" panose="020B0609020204030204" pitchFamily="49" charset="0"/>
-              </a:rPr>
-              <a:t>(c == </a:t>
-            </a:r>
-            <a:r>
-              <a:rPr lang="en-US" dirty="0">
-                <a:solidFill>
-                  <a:srgbClr val="A31515"/>
-                </a:solidFill>
-                <a:latin typeface="Consolas" panose="020B0609020204030204" pitchFamily="49" charset="0"/>
-              </a:rPr>
-              <a:t>' '</a:t>
-            </a:r>
-            <a:r>
-              <a:rPr lang="en-US" dirty="0">
-                <a:solidFill>
-                  <a:srgbClr val="000000"/>
-                </a:solidFill>
-                <a:latin typeface="Consolas" panose="020B0609020204030204" pitchFamily="49" charset="0"/>
-              </a:rPr>
-              <a:t>)</a:t>
-            </a:r>
-          </a:p>
-          <a:p>
-            <a:r>
-              <a:rPr lang="en-US" dirty="0" smtClean="0">
-                <a:solidFill>
-                  <a:srgbClr val="000000"/>
-                </a:solidFill>
-                <a:latin typeface="Consolas" panose="020B0609020204030204" pitchFamily="49" charset="0"/>
-              </a:rPr>
-              <a:t>		</a:t>
-            </a:r>
-            <a:r>
-              <a:rPr lang="en-US" dirty="0" err="1" smtClean="0">
-                <a:solidFill>
-                  <a:srgbClr val="000000"/>
-                </a:solidFill>
-                <a:latin typeface="Consolas" panose="020B0609020204030204" pitchFamily="49" charset="0"/>
-              </a:rPr>
-              <a:t>noOfSpaces</a:t>
-            </a:r>
-            <a:r>
-              <a:rPr lang="en-US" dirty="0">
-                <a:solidFill>
-                  <a:srgbClr val="000000"/>
-                </a:solidFill>
-                <a:latin typeface="Consolas" panose="020B0609020204030204" pitchFamily="49" charset="0"/>
-              </a:rPr>
-              <a:t>++;</a:t>
-            </a:r>
-          </a:p>
-          <a:p>
-            <a:r>
-              <a:rPr lang="en-US" dirty="0" smtClean="0">
                 <a:solidFill>
                   <a:srgbClr val="000000"/>
                 </a:solidFill>
@@ -7989,13 +7560,6 @@
   <p:clrMapOvr>
     <a:masterClrMapping/>
   </p:clrMapOvr>
-  <p:timing>
-    <p:tnLst>
-      <p:par>
-        <p:cTn id="1" dur="indefinite" restart="never" nodeType="tmRoot"/>
-      </p:par>
-    </p:tnLst>
-  </p:timing>
 </p:sld>
 </file>
 
@@ -8060,7 +7624,7 @@
               </a:lnSpc>
               <a:buNone/>
             </a:pPr>
-            <a:endParaRPr lang="en-US" altLang="en-US" sz="3200" dirty="0" smtClean="0"/>
+            <a:endParaRPr lang="en-US" altLang="en-US" sz="3200" dirty="0"/>
           </a:p>
           <a:p>
             <a:pPr>
@@ -8076,7 +7640,7 @@
                 <a:spcPct val="120000"/>
               </a:lnSpc>
             </a:pPr>
-            <a:endParaRPr lang="en-US" altLang="en-US" sz="3200" dirty="0" smtClean="0"/>
+            <a:endParaRPr lang="en-US" altLang="en-US" sz="3200" dirty="0"/>
           </a:p>
           <a:p>
             <a:pPr marL="0" indent="0">
@@ -8086,12 +7650,8 @@
               <a:buNone/>
             </a:pPr>
             <a:r>
-              <a:rPr lang="en-US" altLang="en-US" sz="3200" dirty="0" smtClean="0"/>
-              <a:t>Explore </a:t>
-            </a:r>
-            <a:r>
               <a:rPr lang="en-US" altLang="en-US" sz="3200" dirty="0"/>
-              <a:t>other functionality provided by Array class</a:t>
+              <a:t>Explore other functionality provided by Array class</a:t>
             </a:r>
           </a:p>
           <a:p>
@@ -8187,7 +7747,7 @@
           </a:p>
           <a:p>
             <a:r>
-              <a:rPr lang="en-US" sz="3200" dirty="0" err="1" smtClean="0">
+              <a:rPr lang="en-US" sz="3200" dirty="0" err="1">
                 <a:solidFill>
                   <a:srgbClr val="000000"/>
                 </a:solidFill>
@@ -8196,22 +7756,13 @@
               <a:t>Array.Sort</a:t>
             </a:r>
             <a:r>
-              <a:rPr lang="en-US" sz="3200" dirty="0" smtClean="0">
+              <a:rPr lang="en-US" sz="3200" dirty="0">
                 <a:solidFill>
                   <a:srgbClr val="000000"/>
                 </a:solidFill>
                 <a:latin typeface="Consolas" panose="020B0609020204030204" pitchFamily="49" charset="0"/>
               </a:rPr>
-              <a:t>(marks</a:t>
-            </a:r>
-            <a:r>
-              <a:rPr lang="en-US" sz="3200" dirty="0">
-                <a:solidFill>
-                  <a:srgbClr val="000000"/>
-                </a:solidFill>
-                <a:latin typeface="Consolas" panose="020B0609020204030204" pitchFamily="49" charset="0"/>
-              </a:rPr>
-              <a:t>);</a:t>
+              <a:t>(marks);</a:t>
             </a:r>
             <a:endParaRPr lang="pt-BR" sz="8800" b="1" dirty="0">
               <a:latin typeface="Courier New" panose="02070309020205020404" pitchFamily="49" charset="0"/>
@@ -8230,13 +7781,6 @@
   <p:clrMapOvr>
     <a:masterClrMapping/>
   </p:clrMapOvr>
-  <p:timing>
-    <p:tnLst>
-      <p:par>
-        <p:cTn id="1" dur="indefinite" restart="never" nodeType="tmRoot"/>
-      </p:par>
-    </p:tnLst>
-  </p:timing>
 </p:sld>
 </file>
 
@@ -8313,11 +7857,7 @@
             </a:pPr>
             <a:r>
               <a:rPr lang="en-US" altLang="en-US" sz="3200" dirty="0"/>
-              <a:t>Initializing with </a:t>
-            </a:r>
-            <a:r>
-              <a:rPr lang="en-US" altLang="en-US" sz="3200" dirty="0" smtClean="0"/>
-              <a:t>commas</a:t>
+              <a:t>Initializing with commas</a:t>
             </a:r>
           </a:p>
           <a:p>
@@ -8335,20 +7875,8 @@
               </a:lnSpc>
             </a:pPr>
             <a:r>
-              <a:rPr lang="en-US" altLang="en-US" sz="3200" dirty="0" smtClean="0"/>
-              <a:t>Think </a:t>
-            </a:r>
-            <a:r>
               <a:rPr lang="en-US" altLang="en-US" sz="3200" dirty="0"/>
-              <a:t>of two-dimensional arrays as </a:t>
-            </a:r>
-            <a:r>
-              <a:rPr lang="en-US" altLang="en-US" sz="3200" dirty="0" smtClean="0"/>
-              <a:t>of tables </a:t>
-            </a:r>
-            <a:r>
-              <a:rPr lang="en-US" altLang="en-US" sz="3200" dirty="0"/>
-              <a:t>with rows and columns</a:t>
+              <a:t>Think of two-dimensional arrays as of tables with rows and columns</a:t>
             </a:r>
           </a:p>
           <a:p>
@@ -8359,15 +7887,7 @@
             </a:pPr>
             <a:r>
               <a:rPr lang="en-US" altLang="en-US" sz="3200" dirty="0"/>
-              <a:t>You can have as many </a:t>
-            </a:r>
-            <a:r>
-              <a:rPr lang="en-US" altLang="en-US" sz="3200" dirty="0" smtClean="0"/>
-              <a:t>dimensions </a:t>
-            </a:r>
-            <a:r>
-              <a:rPr lang="en-US" altLang="en-US" sz="3200" dirty="0"/>
-              <a:t>as you need</a:t>
+              <a:t>You can have as many dimensions as you need</a:t>
             </a:r>
           </a:p>
         </p:txBody>
@@ -8495,13 +8015,6 @@
   <p:clrMapOvr>
     <a:masterClrMapping/>
   </p:clrMapOvr>
-  <p:timing>
-    <p:tnLst>
-      <p:par>
-        <p:cTn id="1" dur="indefinite" restart="never" nodeType="tmRoot"/>
-      </p:par>
-    </p:tnLst>
-  </p:timing>
 </p:sld>
 </file>
 
@@ -8543,10 +8056,9 @@
           <a:lstStyle/>
           <a:p>
             <a:r>
-              <a:rPr lang="en-US" sz="5400" dirty="0" smtClean="0"/>
+              <a:rPr lang="en-US" sz="5400" dirty="0"/>
               <a:t>The End</a:t>
             </a:r>
-            <a:endParaRPr lang="en-US" sz="5400" dirty="0"/>
           </a:p>
         </p:txBody>
       </p:sp>
@@ -8560,13 +8072,6 @@
   <p:clrMapOvr>
     <a:masterClrMapping/>
   </p:clrMapOvr>
-  <p:timing>
-    <p:tnLst>
-      <p:par>
-        <p:cTn id="1" dur="indefinite" restart="never" nodeType="tmRoot"/>
-      </p:par>
-    </p:tnLst>
-  </p:timing>
 </p:sld>
 </file>
 
@@ -8603,7 +8108,7 @@
           <a:lstStyle/>
           <a:p>
             <a:r>
-              <a:rPr lang="en-US" altLang="en-US" dirty="0" smtClean="0"/>
+              <a:rPr lang="en-US" altLang="en-US" dirty="0"/>
               <a:t>Agenda</a:t>
             </a:r>
             <a:endParaRPr lang="en-US" dirty="0"/>
@@ -8642,12 +8147,8 @@
               </a:spcAft>
             </a:pPr>
             <a:r>
-              <a:rPr lang="en-US" altLang="en-US" sz="4000" dirty="0" smtClean="0"/>
-              <a:t>What </a:t>
-            </a:r>
-            <a:r>
               <a:rPr lang="en-US" altLang="en-US" sz="4000" dirty="0"/>
-              <a:t>an array is</a:t>
+              <a:t>What an array is</a:t>
             </a:r>
           </a:p>
           <a:p>
@@ -8663,12 +8164,8 @@
               </a:spcAft>
             </a:pPr>
             <a:r>
-              <a:rPr lang="en-US" altLang="en-US" sz="4000" dirty="0" smtClean="0"/>
-              <a:t>How to </a:t>
-            </a:r>
-            <a:r>
               <a:rPr lang="en-US" altLang="en-US" sz="4000" dirty="0"/>
-              <a:t>declare an array</a:t>
+              <a:t>How to declare an array</a:t>
             </a:r>
           </a:p>
           <a:p>
@@ -8684,12 +8181,8 @@
               </a:spcAft>
             </a:pPr>
             <a:r>
-              <a:rPr lang="en-US" altLang="en-US" sz="4000" dirty="0" smtClean="0"/>
-              <a:t>How </a:t>
-            </a:r>
-            <a:r>
               <a:rPr lang="en-US" altLang="en-US" sz="4000" dirty="0"/>
-              <a:t>to </a:t>
+              <a:t>How to </a:t>
             </a:r>
             <a:r>
               <a:rPr lang="en-US" altLang="en-US" sz="4000" dirty="0" err="1"/>
@@ -8713,12 +8206,8 @@
               </a:spcAft>
             </a:pPr>
             <a:r>
-              <a:rPr lang="en-US" altLang="en-US" sz="4000" dirty="0" smtClean="0"/>
-              <a:t>How </a:t>
-            </a:r>
-            <a:r>
               <a:rPr lang="en-US" altLang="en-US" sz="4000" dirty="0"/>
-              <a:t>to store values in an array</a:t>
+              <a:t>How to store values in an array</a:t>
             </a:r>
           </a:p>
           <a:p>
@@ -8734,12 +8223,8 @@
               </a:spcAft>
             </a:pPr>
             <a:r>
-              <a:rPr lang="en-US" altLang="en-US" sz="4000" dirty="0" smtClean="0"/>
-              <a:t>How </a:t>
-            </a:r>
-            <a:r>
               <a:rPr lang="en-US" altLang="en-US" sz="4000" dirty="0"/>
-              <a:t>to use arrays of different types</a:t>
+              <a:t>How to use arrays of different types</a:t>
             </a:r>
           </a:p>
         </p:txBody>
@@ -8754,13 +8239,6 @@
   <p:clrMapOvr>
     <a:masterClrMapping/>
   </p:clrMapOvr>
-  <p:timing>
-    <p:tnLst>
-      <p:par>
-        <p:cTn id="1" dur="indefinite" restart="never" nodeType="tmRoot"/>
-      </p:par>
-    </p:tnLst>
-  </p:timing>
 </p:sld>
 </file>
 
@@ -8833,16 +8311,8 @@
               </a:buClr>
             </a:pPr>
             <a:r>
-              <a:rPr lang="en-US" altLang="en-US" sz="3600" dirty="0" smtClean="0"/>
-              <a:t>During </a:t>
-            </a:r>
-            <a:r>
               <a:rPr lang="en-US" altLang="en-US" sz="3600" dirty="0"/>
-              <a:t>the tutorial we will create a program that calculates statistics for a </a:t>
-            </a:r>
-            <a:r>
-              <a:rPr lang="en-US" altLang="en-US" sz="3600" dirty="0" smtClean="0"/>
-              <a:t>module</a:t>
+              <a:t>During the tutorial we will create a program that calculates statistics for a module</a:t>
             </a:r>
           </a:p>
         </p:txBody>
@@ -8857,13 +8327,6 @@
   <p:clrMapOvr>
     <a:masterClrMapping/>
   </p:clrMapOvr>
-  <p:timing>
-    <p:tnLst>
-      <p:par>
-        <p:cTn id="1" dur="indefinite" restart="never" nodeType="tmRoot"/>
-      </p:par>
-    </p:tnLst>
-  </p:timing>
 </p:sld>
 </file>
 
@@ -8938,21 +8401,8 @@
             </a:pPr>
             <a:r>
               <a:rPr lang="en-US" altLang="en-US" sz="3200" dirty="0"/>
-              <a:t>User will be </a:t>
-            </a:r>
-            <a:r>
-              <a:rPr lang="en-US" altLang="en-US" sz="3200" dirty="0" smtClean="0"/>
-              <a:t>asked </a:t>
-            </a:r>
-            <a:r>
-              <a:rPr lang="en-US" altLang="en-US" sz="3200" dirty="0"/>
-              <a:t>to enter </a:t>
-            </a:r>
-            <a:r>
-              <a:rPr lang="en-US" altLang="en-US" sz="3200" dirty="0" smtClean="0"/>
-              <a:t>comma-separated list of marks</a:t>
-            </a:r>
-            <a:endParaRPr lang="en-US" altLang="en-US" sz="3200" dirty="0"/>
+              <a:t>User will be asked to enter comma-separated list of marks</a:t>
+            </a:r>
           </a:p>
           <a:p>
             <a:pPr marL="0" indent="0">
@@ -8971,24 +8421,8 @@
               <a:buNone/>
             </a:pPr>
             <a:r>
-              <a:rPr lang="en-GB" altLang="en-US" sz="3200" dirty="0" smtClean="0"/>
-              <a:t>The output </a:t>
-            </a:r>
-            <a:r>
               <a:rPr lang="en-GB" altLang="en-US" sz="3200" dirty="0"/>
-              <a:t>of the program should be </a:t>
-            </a:r>
-            <a:r>
-              <a:rPr lang="en-GB" altLang="en-US" sz="3200" dirty="0" smtClean="0"/>
-              <a:t>as </a:t>
-            </a:r>
-            <a:r>
-              <a:rPr lang="en-GB" altLang="en-US" sz="3200" dirty="0"/>
-              <a:t>following</a:t>
-            </a:r>
-            <a:r>
-              <a:rPr lang="en-GB" altLang="en-US" sz="3200" dirty="0" smtClean="0"/>
-              <a:t>:</a:t>
+              <a:t>The output of the program should be as following:</a:t>
             </a:r>
           </a:p>
           <a:p>
@@ -8996,20 +8430,8 @@
               <a:buNone/>
             </a:pPr>
             <a:r>
-              <a:rPr lang="en-GB" altLang="en-US" dirty="0" smtClean="0"/>
-              <a:t>[</a:t>
-            </a:r>
-            <a:r>
               <a:rPr lang="en-GB" altLang="en-US" dirty="0"/>
-              <a:t>70+)		</a:t>
-            </a:r>
-            <a:r>
-              <a:rPr lang="en-GB" altLang="en-US" dirty="0" smtClean="0"/>
-              <a:t>3</a:t>
-            </a:r>
-            <a:r>
-              <a:rPr lang="en-GB" altLang="en-US" dirty="0"/>
-              <a:t>	</a:t>
+              <a:t>[70+)		3	</a:t>
             </a:r>
           </a:p>
           <a:p>
@@ -9073,7 +8495,7 @@
               </a:buClr>
               <a:buNone/>
             </a:pPr>
-            <a:endParaRPr lang="en-US" altLang="en-US" sz="3200" dirty="0" smtClean="0"/>
+            <a:endParaRPr lang="en-US" altLang="en-US" sz="3200" dirty="0"/>
           </a:p>
         </p:txBody>
       </p:sp>
@@ -9087,13 +8509,6 @@
   <p:clrMapOvr>
     <a:masterClrMapping/>
   </p:clrMapOvr>
-  <p:timing>
-    <p:tnLst>
-      <p:par>
-        <p:cTn id="1" dur="indefinite" restart="never" nodeType="tmRoot"/>
-      </p:par>
-    </p:tnLst>
-  </p:timing>
 </p:sld>
 </file>
 
@@ -9169,15 +8584,7 @@
             </a:pPr>
             <a:r>
               <a:rPr lang="en-GB" altLang="en-US" sz="4400" dirty="0"/>
-              <a:t>Let’s write a very simple program that </a:t>
-            </a:r>
-            <a:r>
-              <a:rPr lang="en-GB" altLang="en-US" sz="4400" dirty="0" smtClean="0"/>
-              <a:t>asks </a:t>
-            </a:r>
-            <a:r>
-              <a:rPr lang="en-GB" altLang="en-US" sz="4400" dirty="0"/>
-              <a:t>a user to enter 3 numbers and calculates an average of those 3 numbers.</a:t>
+              <a:t>Let’s write a very simple program that asks a user to enter 3 numbers and calculates an average of those 3 numbers.</a:t>
             </a:r>
           </a:p>
           <a:p>
@@ -9193,18 +8600,9 @@
               </a:spcAft>
             </a:pPr>
             <a:r>
-              <a:rPr lang="en-GB" altLang="en-US" sz="4400" dirty="0" smtClean="0"/>
-              <a:t>Assume that you have textboxes to </a:t>
-            </a:r>
-            <a:r>
               <a:rPr lang="en-GB" altLang="en-US" sz="4400" dirty="0"/>
-              <a:t>grab user </a:t>
-            </a:r>
-            <a:r>
-              <a:rPr lang="en-GB" altLang="en-US" sz="4400" dirty="0" smtClean="0"/>
-              <a:t>input</a:t>
-            </a:r>
-            <a:endParaRPr lang="en-GB" altLang="en-US" sz="4400" dirty="0"/>
+              <a:t>Assume that you have textboxes to grab user input</a:t>
+            </a:r>
           </a:p>
         </p:txBody>
       </p:sp>
@@ -9218,13 +8616,6 @@
   <p:clrMapOvr>
     <a:masterClrMapping/>
   </p:clrMapOvr>
-  <p:timing>
-    <p:tnLst>
-      <p:par>
-        <p:cTn id="1" dur="indefinite" restart="never" nodeType="tmRoot"/>
-      </p:par>
-    </p:tnLst>
-  </p:timing>
 </p:sld>
 </file>
 
@@ -9261,7 +8652,7 @@
           <a:lstStyle/>
           <a:p>
             <a:r>
-              <a:rPr lang="en-US" altLang="en-US" dirty="0" smtClean="0"/>
+              <a:rPr lang="en-US" altLang="en-US" dirty="0"/>
               <a:t>Average of 3 numbers</a:t>
             </a:r>
             <a:endParaRPr lang="en-US" dirty="0"/>
@@ -9294,21 +8685,7 @@
                 <a:spcPts val="1800"/>
               </a:spcAft>
             </a:pPr>
-            <a:endParaRPr lang="en-GB" altLang="en-US" sz="1800" dirty="0" smtClean="0"/>
-          </a:p>
-          <a:p>
-            <a:pPr>
-              <a:lnSpc>
-                <a:spcPct val="120000"/>
-              </a:lnSpc>
-              <a:spcBef>
-                <a:spcPts val="0"/>
-              </a:spcBef>
-              <a:spcAft>
-                <a:spcPts val="1800"/>
-              </a:spcAft>
-            </a:pPr>
-            <a:endParaRPr lang="en-GB" altLang="en-US" sz="1800" dirty="0" smtClean="0"/>
+            <a:endParaRPr lang="en-GB" altLang="en-US" sz="1800" dirty="0"/>
           </a:p>
           <a:p>
             <a:pPr>
@@ -9336,7 +8713,7 @@
                 <a:spcPts val="1800"/>
               </a:spcAft>
             </a:pPr>
-            <a:endParaRPr lang="en-GB" altLang="en-US" sz="1800" dirty="0" smtClean="0"/>
+            <a:endParaRPr lang="en-GB" altLang="en-US" sz="1800" dirty="0"/>
           </a:p>
           <a:p>
             <a:pPr>
@@ -9364,14 +8741,7 @@
                 <a:spcPts val="1800"/>
               </a:spcAft>
             </a:pPr>
-            <a:r>
-              <a:rPr lang="en-GB" altLang="en-US" sz="3200" dirty="0" smtClean="0"/>
-              <a:t>Do </a:t>
-            </a:r>
-            <a:r>
-              <a:rPr lang="en-GB" altLang="en-US" sz="3200" dirty="0"/>
-              <a:t>the same, but now for 5 numbers</a:t>
-            </a:r>
+            <a:endParaRPr lang="en-GB" altLang="en-US" sz="1800" dirty="0"/>
           </a:p>
           <a:p>
             <a:pPr>
@@ -9387,13 +8757,25 @@
             </a:pPr>
             <a:r>
               <a:rPr lang="en-GB" altLang="en-US" sz="3200" dirty="0"/>
-              <a:t>What is your observation</a:t>
-            </a:r>
-            <a:r>
-              <a:rPr lang="en-GB" altLang="en-US" sz="3200" dirty="0" smtClean="0"/>
-              <a:t>?</a:t>
-            </a:r>
-            <a:endParaRPr lang="en-GB" altLang="en-US" sz="3200" dirty="0"/>
+              <a:t>Do the same, but now for 5 numbers</a:t>
+            </a:r>
+          </a:p>
+          <a:p>
+            <a:pPr>
+              <a:lnSpc>
+                <a:spcPct val="120000"/>
+              </a:lnSpc>
+              <a:spcBef>
+                <a:spcPts val="0"/>
+              </a:spcBef>
+              <a:spcAft>
+                <a:spcPts val="1800"/>
+              </a:spcAft>
+            </a:pPr>
+            <a:r>
+              <a:rPr lang="en-GB" altLang="en-US" sz="3200" dirty="0"/>
+              <a:t>What is your observation?</a:t>
+            </a:r>
           </a:p>
         </p:txBody>
       </p:sp>
@@ -9429,7 +8811,7 @@
               </a:lnSpc>
             </a:pPr>
             <a:r>
-              <a:rPr lang="en-US" altLang="en-US" sz="2400" b="1" dirty="0" smtClean="0">
+              <a:rPr lang="en-US" altLang="en-US" sz="2400" b="1" dirty="0">
                 <a:solidFill>
                   <a:schemeClr val="accent1"/>
                 </a:solidFill>
@@ -9459,7 +8841,7 @@
               <a:t> </a:t>
             </a:r>
             <a:r>
-              <a:rPr lang="en-US" altLang="en-US" sz="2400" b="1" dirty="0" smtClean="0">
+              <a:rPr lang="en-US" altLang="en-US" sz="2400" b="1" dirty="0">
                 <a:latin typeface="Courier New" panose="02070309020205020404" pitchFamily="49" charset="0"/>
                 <a:ea typeface="Segoe UI" panose="020B0502040204020203" pitchFamily="34" charset="0"/>
                 <a:cs typeface="Courier New" panose="02070309020205020404" pitchFamily="49" charset="0"/>
@@ -9467,7 +8849,7 @@
               <a:t>= </a:t>
             </a:r>
             <a:r>
-              <a:rPr lang="en-US" altLang="en-US" sz="2400" b="1" dirty="0" err="1" smtClean="0">
+              <a:rPr lang="en-US" altLang="en-US" sz="2400" b="1" dirty="0" err="1">
                 <a:latin typeface="Courier New" panose="02070309020205020404" pitchFamily="49" charset="0"/>
                 <a:ea typeface="Segoe UI" panose="020B0502040204020203" pitchFamily="34" charset="0"/>
                 <a:cs typeface="Courier New" panose="02070309020205020404" pitchFamily="49" charset="0"/>
@@ -9475,18 +8857,13 @@
               <a:t>Convert.ToDouble</a:t>
             </a:r>
             <a:r>
-              <a:rPr lang="en-US" altLang="en-US" sz="2400" b="1" dirty="0" smtClean="0">
+              <a:rPr lang="en-US" altLang="en-US" sz="2400" b="1" dirty="0">
                 <a:latin typeface="Courier New" panose="02070309020205020404" pitchFamily="49" charset="0"/>
                 <a:ea typeface="Segoe UI" panose="020B0502040204020203" pitchFamily="34" charset="0"/>
                 <a:cs typeface="Courier New" panose="02070309020205020404" pitchFamily="49" charset="0"/>
               </a:rPr>
               <a:t>(tbx1.Text);</a:t>
             </a:r>
-            <a:endParaRPr lang="en-US" altLang="en-US" sz="2400" b="1" dirty="0">
-              <a:latin typeface="Courier New" panose="02070309020205020404" pitchFamily="49" charset="0"/>
-              <a:ea typeface="Segoe UI" panose="020B0502040204020203" pitchFamily="34" charset="0"/>
-              <a:cs typeface="Courier New" panose="02070309020205020404" pitchFamily="49" charset="0"/>
-            </a:endParaRPr>
           </a:p>
           <a:p>
             <a:pPr>
@@ -9506,42 +8883,42 @@
               <a:t>var </a:t>
             </a:r>
             <a:r>
-              <a:rPr lang="en-US" altLang="en-US" sz="2400" b="1" dirty="0" smtClean="0">
-                <a:latin typeface="Courier New" panose="02070309020205020404" pitchFamily="49" charset="0"/>
-                <a:ea typeface="Segoe UI" panose="020B0502040204020203" pitchFamily="34" charset="0"/>
-                <a:cs typeface="Courier New" panose="02070309020205020404" pitchFamily="49" charset="0"/>
-              </a:rPr>
-              <a:t>number2</a:t>
-            </a:r>
-            <a:r>
-              <a:rPr lang="en-US" altLang="en-US" sz="2400" b="1" dirty="0" smtClean="0">
-                <a:solidFill>
-                  <a:schemeClr val="accent1"/>
-                </a:solidFill>
-                <a:latin typeface="Courier New" panose="02070309020205020404" pitchFamily="49" charset="0"/>
-                <a:ea typeface="Segoe UI" panose="020B0502040204020203" pitchFamily="34" charset="0"/>
-                <a:cs typeface="Courier New" panose="02070309020205020404" pitchFamily="49" charset="0"/>
-              </a:rPr>
-              <a:t> </a:t>
-            </a:r>
-            <a:r>
               <a:rPr lang="en-US" altLang="en-US" sz="2400" b="1" dirty="0">
                 <a:latin typeface="Courier New" panose="02070309020205020404" pitchFamily="49" charset="0"/>
                 <a:ea typeface="Segoe UI" panose="020B0502040204020203" pitchFamily="34" charset="0"/>
                 <a:cs typeface="Courier New" panose="02070309020205020404" pitchFamily="49" charset="0"/>
               </a:rPr>
-              <a:t>= </a:t>
-            </a:r>
-            <a:r>
-              <a:rPr lang="en-US" altLang="en-US" sz="2400" b="1" dirty="0" err="1" smtClean="0">
+              <a:t>number2</a:t>
+            </a:r>
+            <a:r>
+              <a:rPr lang="en-US" altLang="en-US" sz="2400" b="1" dirty="0">
+                <a:solidFill>
+                  <a:schemeClr val="accent1"/>
+                </a:solidFill>
                 <a:latin typeface="Courier New" panose="02070309020205020404" pitchFamily="49" charset="0"/>
                 <a:ea typeface="Segoe UI" panose="020B0502040204020203" pitchFamily="34" charset="0"/>
                 <a:cs typeface="Courier New" panose="02070309020205020404" pitchFamily="49" charset="0"/>
               </a:rPr>
+              <a:t> </a:t>
+            </a:r>
+            <a:r>
+              <a:rPr lang="en-US" altLang="en-US" sz="2400" b="1" dirty="0">
+                <a:latin typeface="Courier New" panose="02070309020205020404" pitchFamily="49" charset="0"/>
+                <a:ea typeface="Segoe UI" panose="020B0502040204020203" pitchFamily="34" charset="0"/>
+                <a:cs typeface="Courier New" panose="02070309020205020404" pitchFamily="49" charset="0"/>
+              </a:rPr>
+              <a:t>= </a:t>
+            </a:r>
+            <a:r>
+              <a:rPr lang="en-US" altLang="en-US" sz="2400" b="1" dirty="0" err="1">
+                <a:latin typeface="Courier New" panose="02070309020205020404" pitchFamily="49" charset="0"/>
+                <a:ea typeface="Segoe UI" panose="020B0502040204020203" pitchFamily="34" charset="0"/>
+                <a:cs typeface="Courier New" panose="02070309020205020404" pitchFamily="49" charset="0"/>
+              </a:rPr>
               <a:t>Convert.ToDouble</a:t>
             </a:r>
             <a:r>
-              <a:rPr lang="en-US" altLang="en-US" sz="2400" b="1" dirty="0" smtClean="0">
+              <a:rPr lang="en-US" altLang="en-US" sz="2400" b="1" dirty="0">
                 <a:latin typeface="Courier New" panose="02070309020205020404" pitchFamily="49" charset="0"/>
                 <a:ea typeface="Segoe UI" panose="020B0502040204020203" pitchFamily="34" charset="0"/>
                 <a:cs typeface="Courier New" panose="02070309020205020404" pitchFamily="49" charset="0"/>
@@ -9567,47 +8944,23 @@
               <a:t>var </a:t>
             </a:r>
             <a:r>
-              <a:rPr lang="en-US" altLang="en-US" sz="2400" b="1" dirty="0" smtClean="0">
-                <a:latin typeface="Courier New" panose="02070309020205020404" pitchFamily="49" charset="0"/>
-                <a:ea typeface="Segoe UI" panose="020B0502040204020203" pitchFamily="34" charset="0"/>
-                <a:cs typeface="Courier New" panose="02070309020205020404" pitchFamily="49" charset="0"/>
-              </a:rPr>
-              <a:t>number3</a:t>
-            </a:r>
-            <a:r>
-              <a:rPr lang="en-US" altLang="en-US" sz="2400" b="1" dirty="0" smtClean="0">
-                <a:solidFill>
-                  <a:schemeClr val="accent1"/>
-                </a:solidFill>
-                <a:latin typeface="Courier New" panose="02070309020205020404" pitchFamily="49" charset="0"/>
-                <a:ea typeface="Segoe UI" panose="020B0502040204020203" pitchFamily="34" charset="0"/>
-                <a:cs typeface="Courier New" panose="02070309020205020404" pitchFamily="49" charset="0"/>
-              </a:rPr>
-              <a:t> </a:t>
-            </a:r>
-            <a:r>
               <a:rPr lang="en-US" altLang="en-US" sz="2400" b="1" dirty="0">
                 <a:latin typeface="Courier New" panose="02070309020205020404" pitchFamily="49" charset="0"/>
                 <a:ea typeface="Segoe UI" panose="020B0502040204020203" pitchFamily="34" charset="0"/>
                 <a:cs typeface="Courier New" panose="02070309020205020404" pitchFamily="49" charset="0"/>
               </a:rPr>
-              <a:t>= </a:t>
-            </a:r>
-            <a:r>
-              <a:rPr lang="en-US" altLang="en-US" sz="2400" b="1" dirty="0" err="1" smtClean="0">
+              <a:t>number3</a:t>
+            </a:r>
+            <a:r>
+              <a:rPr lang="en-US" altLang="en-US" sz="2400" b="1" dirty="0">
+                <a:solidFill>
+                  <a:schemeClr val="accent1"/>
+                </a:solidFill>
                 <a:latin typeface="Courier New" panose="02070309020205020404" pitchFamily="49" charset="0"/>
                 <a:ea typeface="Segoe UI" panose="020B0502040204020203" pitchFamily="34" charset="0"/>
                 <a:cs typeface="Courier New" panose="02070309020205020404" pitchFamily="49" charset="0"/>
               </a:rPr>
-              <a:t>Convert.ToDouble</a:t>
-            </a:r>
-            <a:r>
-              <a:rPr lang="en-US" altLang="en-US" sz="2400" b="1" dirty="0" smtClean="0">
-                <a:latin typeface="Courier New" panose="02070309020205020404" pitchFamily="49" charset="0"/>
-                <a:ea typeface="Segoe UI" panose="020B0502040204020203" pitchFamily="34" charset="0"/>
-                <a:cs typeface="Courier New" panose="02070309020205020404" pitchFamily="49" charset="0"/>
-              </a:rPr>
-              <a:t>(tbx3.Text</a:t>
+              <a:t> </a:t>
             </a:r>
             <a:r>
               <a:rPr lang="en-US" altLang="en-US" sz="2400" b="1" dirty="0">
@@ -9615,7 +8968,23 @@
                 <a:ea typeface="Segoe UI" panose="020B0502040204020203" pitchFamily="34" charset="0"/>
                 <a:cs typeface="Courier New" panose="02070309020205020404" pitchFamily="49" charset="0"/>
               </a:rPr>
-              <a:t>);</a:t>
+              <a:t>= </a:t>
+            </a:r>
+            <a:r>
+              <a:rPr lang="en-US" altLang="en-US" sz="2400" b="1" dirty="0" err="1">
+                <a:latin typeface="Courier New" panose="02070309020205020404" pitchFamily="49" charset="0"/>
+                <a:ea typeface="Segoe UI" panose="020B0502040204020203" pitchFamily="34" charset="0"/>
+                <a:cs typeface="Courier New" panose="02070309020205020404" pitchFamily="49" charset="0"/>
+              </a:rPr>
+              <a:t>Convert.ToDouble</a:t>
+            </a:r>
+            <a:r>
+              <a:rPr lang="en-US" altLang="en-US" sz="2400" b="1" dirty="0">
+                <a:latin typeface="Courier New" panose="02070309020205020404" pitchFamily="49" charset="0"/>
+                <a:ea typeface="Segoe UI" panose="020B0502040204020203" pitchFamily="34" charset="0"/>
+                <a:cs typeface="Courier New" panose="02070309020205020404" pitchFamily="49" charset="0"/>
+              </a:rPr>
+              <a:t>(tbx3.Text);</a:t>
             </a:r>
           </a:p>
           <a:p>
@@ -9625,7 +8994,7 @@
               </a:lnSpc>
             </a:pPr>
             <a:r>
-              <a:rPr lang="en-US" altLang="en-US" sz="2400" b="1" dirty="0" err="1" smtClean="0">
+              <a:rPr lang="en-US" altLang="en-US" sz="2400" b="1" dirty="0" err="1">
                 <a:solidFill>
                   <a:schemeClr val="accent1"/>
                 </a:solidFill>
@@ -9636,7 +9005,7 @@
               <a:t>var</a:t>
             </a:r>
             <a:r>
-              <a:rPr lang="en-US" altLang="en-US" sz="2400" b="1" dirty="0" smtClean="0">
+              <a:rPr lang="en-US" altLang="en-US" sz="2400" b="1" dirty="0">
                 <a:solidFill>
                   <a:schemeClr val="accent1"/>
                 </a:solidFill>
@@ -9645,33 +9014,6 @@
                 <a:cs typeface="Courier New" panose="02070309020205020404" pitchFamily="49" charset="0"/>
               </a:rPr>
               <a:t> </a:t>
-            </a:r>
-            <a:r>
-              <a:rPr lang="en-US" altLang="en-US" sz="2400" b="1" dirty="0" smtClean="0">
-                <a:latin typeface="Courier New" panose="02070309020205020404" pitchFamily="49" charset="0"/>
-                <a:ea typeface="Segoe UI" panose="020B0502040204020203" pitchFamily="34" charset="0"/>
-                <a:cs typeface="Courier New" panose="02070309020205020404" pitchFamily="49" charset="0"/>
-              </a:rPr>
-              <a:t>result</a:t>
-            </a:r>
-            <a:r>
-              <a:rPr lang="en-US" altLang="en-US" sz="2400" b="1" dirty="0" smtClean="0">
-                <a:solidFill>
-                  <a:schemeClr val="accent1"/>
-                </a:solidFill>
-                <a:latin typeface="Courier New" panose="02070309020205020404" pitchFamily="49" charset="0"/>
-                <a:ea typeface="Segoe UI" panose="020B0502040204020203" pitchFamily="34" charset="0"/>
-                <a:cs typeface="Courier New" panose="02070309020205020404" pitchFamily="49" charset="0"/>
-              </a:rPr>
-              <a:t> </a:t>
-            </a:r>
-            <a:r>
-              <a:rPr lang="en-US" altLang="en-US" sz="2400" b="1" dirty="0" smtClean="0">
-                <a:latin typeface="Courier New" panose="02070309020205020404" pitchFamily="49" charset="0"/>
-                <a:ea typeface="Segoe UI" panose="020B0502040204020203" pitchFamily="34" charset="0"/>
-                <a:cs typeface="Courier New" panose="02070309020205020404" pitchFamily="49" charset="0"/>
-              </a:rPr>
-              <a:t>= </a:t>
             </a:r>
             <a:r>
               <a:rPr lang="en-US" altLang="en-US" sz="2400" b="1" dirty="0">
@@ -9679,21 +9021,27 @@
                 <a:ea typeface="Segoe UI" panose="020B0502040204020203" pitchFamily="34" charset="0"/>
                 <a:cs typeface="Courier New" panose="02070309020205020404" pitchFamily="49" charset="0"/>
               </a:rPr>
-              <a:t>(number1 + number2 + number3</a:t>
-            </a:r>
-            <a:r>
-              <a:rPr lang="en-US" altLang="en-US" sz="2400" b="1" dirty="0" smtClean="0">
+              <a:t>result</a:t>
+            </a:r>
+            <a:r>
+              <a:rPr lang="en-US" altLang="en-US" sz="2400" b="1" dirty="0">
+                <a:solidFill>
+                  <a:schemeClr val="accent1"/>
+                </a:solidFill>
                 <a:latin typeface="Courier New" panose="02070309020205020404" pitchFamily="49" charset="0"/>
                 <a:ea typeface="Segoe UI" panose="020B0502040204020203" pitchFamily="34" charset="0"/>
                 <a:cs typeface="Courier New" panose="02070309020205020404" pitchFamily="49" charset="0"/>
               </a:rPr>
-              <a:t>) / 3</a:t>
-            </a:r>
-            <a:endParaRPr lang="en-US" altLang="en-US" sz="2400" b="1" dirty="0">
-              <a:latin typeface="Courier New" panose="02070309020205020404" pitchFamily="49" charset="0"/>
-              <a:ea typeface="Segoe UI" panose="020B0502040204020203" pitchFamily="34" charset="0"/>
-              <a:cs typeface="Courier New" panose="02070309020205020404" pitchFamily="49" charset="0"/>
-            </a:endParaRPr>
+              <a:t> </a:t>
+            </a:r>
+            <a:r>
+              <a:rPr lang="en-US" altLang="en-US" sz="2400" b="1" dirty="0">
+                <a:latin typeface="Courier New" panose="02070309020205020404" pitchFamily="49" charset="0"/>
+                <a:ea typeface="Segoe UI" panose="020B0502040204020203" pitchFamily="34" charset="0"/>
+                <a:cs typeface="Courier New" panose="02070309020205020404" pitchFamily="49" charset="0"/>
+              </a:rPr>
+              <a:t>= (number1 + number2 + number3) / 3</a:t>
+            </a:r>
           </a:p>
         </p:txBody>
       </p:sp>
@@ -9707,13 +9055,6 @@
   <p:clrMapOvr>
     <a:masterClrMapping/>
   </p:clrMapOvr>
-  <p:timing>
-    <p:tnLst>
-      <p:par>
-        <p:cTn id="1" dur="indefinite" restart="never" nodeType="tmRoot"/>
-      </p:par>
-    </p:tnLst>
-  </p:timing>
 </p:sld>
 </file>
 
@@ -9755,7 +9096,7 @@
           <a:lstStyle/>
           <a:p>
             <a:r>
-              <a:rPr lang="en-US" altLang="en-US" dirty="0" smtClean="0"/>
+              <a:rPr lang="en-US" altLang="en-US" dirty="0"/>
               <a:t>Array</a:t>
             </a:r>
             <a:endParaRPr lang="en-US" dirty="0"/>
@@ -9829,8 +9170,20 @@
               <a:tbl>
                 <a:tblPr/>
                 <a:tblGrid>
-                  <a:gridCol w="3852862"/>
-                  <a:gridCol w="3851275"/>
+                  <a:gridCol w="3852862">
+                    <a:extLst>
+                      <a:ext uri="{9D8B030D-6E8A-4147-A177-3AD203B41FA5}">
+                        <a16:colId xmlns:a16="http://schemas.microsoft.com/office/drawing/2014/main" val="20000"/>
+                      </a:ext>
+                    </a:extLst>
+                  </a:gridCol>
+                  <a:gridCol w="3851275">
+                    <a:extLst>
+                      <a:ext uri="{9D8B030D-6E8A-4147-A177-3AD203B41FA5}">
+                        <a16:colId xmlns:a16="http://schemas.microsoft.com/office/drawing/2014/main" val="20001"/>
+                      </a:ext>
+                    </a:extLst>
+                  </a:gridCol>
                 </a:tblGrid>
                 <a:tr h="4464050">
                   <a:tc>
@@ -9857,7 +9210,7 @@
                           <a:tabLst/>
                         </a:pPr>
                         <a:r>
-                          <a:rPr kumimoji="0" lang="en-US" sz="2800" b="0" i="0" u="none" strike="noStrike" cap="none" normalizeH="0" baseline="0" dirty="0" smtClean="0">
+                          <a:rPr kumimoji="0" lang="en-US" sz="2800" b="0" i="0" u="none" strike="noStrike" cap="none" normalizeH="0" baseline="0" dirty="0">
                             <a:ln>
                               <a:noFill/>
                             </a:ln>
@@ -9890,7 +9243,7 @@
                           <a:tabLst/>
                         </a:pPr>
                         <a:r>
-                          <a:rPr kumimoji="0" lang="en-US" sz="2800" b="0" i="0" u="none" strike="noStrike" cap="none" normalizeH="0" baseline="0" dirty="0" err="1" smtClean="0">
+                          <a:rPr kumimoji="0" lang="en-US" sz="2800" b="0" i="0" u="none" strike="noStrike" cap="none" normalizeH="0" baseline="0" dirty="0" err="1">
                             <a:ln>
                               <a:noFill/>
                             </a:ln>
@@ -9902,7 +9255,7 @@
                           </a:rPr>
                           <a:t>int</a:t>
                         </a:r>
-                        <a:endParaRPr kumimoji="0" lang="ru-RU" sz="2800" b="0" i="0" u="none" strike="noStrike" cap="none" normalizeH="0" baseline="0" dirty="0" smtClean="0">
+                        <a:endParaRPr kumimoji="0" lang="ru-RU" sz="2800" b="0" i="0" u="none" strike="noStrike" cap="none" normalizeH="0" baseline="0" dirty="0">
                           <a:ln>
                             <a:noFill/>
                           </a:ln>
@@ -9976,7 +9329,7 @@
                           <a:tabLst/>
                         </a:pPr>
                         <a:r>
-                          <a:rPr kumimoji="0" lang="en-US" sz="2800" b="0" i="0" u="none" strike="noStrike" cap="none" normalizeH="0" baseline="0" dirty="0" smtClean="0">
+                          <a:rPr kumimoji="0" lang="en-US" sz="2800" b="0" i="0" u="none" strike="noStrike" cap="none" normalizeH="0" baseline="0" dirty="0">
                             <a:ln>
                               <a:noFill/>
                             </a:ln>
@@ -10009,7 +9362,7 @@
                           <a:tabLst/>
                         </a:pPr>
                         <a:r>
-                          <a:rPr kumimoji="0" lang="en-US" sz="2800" b="0" i="0" u="none" strike="noStrike" cap="none" normalizeH="0" baseline="0" dirty="0" err="1" smtClean="0">
+                          <a:rPr kumimoji="0" lang="en-US" sz="2800" b="0" i="0" u="none" strike="noStrike" cap="none" normalizeH="0" baseline="0" dirty="0" err="1">
                             <a:ln>
                               <a:noFill/>
                             </a:ln>
@@ -10022,7 +9375,7 @@
                           <a:t>int</a:t>
                         </a:r>
                         <a:r>
-                          <a:rPr kumimoji="0" lang="en-US" sz="2800" b="0" i="0" u="none" strike="noStrike" cap="none" normalizeH="0" baseline="0" dirty="0" smtClean="0">
+                          <a:rPr kumimoji="0" lang="en-US" sz="2800" b="0" i="0" u="none" strike="noStrike" cap="none" normalizeH="0" baseline="0" dirty="0">
                             <a:ln>
                               <a:noFill/>
                             </a:ln>
@@ -10034,7 +9387,7 @@
                           </a:rPr>
                           <a:t>[5]</a:t>
                         </a:r>
-                        <a:endParaRPr kumimoji="0" lang="ru-RU" sz="2800" b="0" i="0" u="none" strike="noStrike" cap="none" normalizeH="0" baseline="0" dirty="0" smtClean="0">
+                        <a:endParaRPr kumimoji="0" lang="ru-RU" sz="2800" b="0" i="0" u="none" strike="noStrike" cap="none" normalizeH="0" baseline="0" dirty="0">
                           <a:ln>
                             <a:noFill/>
                           </a:ln>
@@ -10084,6 +9437,11 @@
                       <a:noFill/>
                     </a:tcPr>
                   </a:tc>
+                  <a:extLst>
+                    <a:ext uri="{0D108BD9-81ED-4DB2-BD59-A6C34878D82A}">
+                      <a16:rowId xmlns:a16="http://schemas.microsoft.com/office/drawing/2014/main" val="10000"/>
+                    </a:ext>
+                  </a:extLst>
                 </a:tr>
               </a:tbl>
             </a:graphicData>
@@ -13613,13 +12971,6 @@
   <p:clrMapOvr>
     <a:masterClrMapping/>
   </p:clrMapOvr>
-  <p:timing>
-    <p:tnLst>
-      <p:par>
-        <p:cTn id="1" dur="indefinite" restart="never" nodeType="tmRoot"/>
-      </p:par>
-    </p:tnLst>
-  </p:timing>
 </p:sld>
 </file>
 
@@ -13661,12 +13012,8 @@
           <a:lstStyle/>
           <a:p>
             <a:r>
-              <a:rPr lang="en-GB" altLang="en-US" dirty="0" smtClean="0"/>
-              <a:t>.</a:t>
-            </a:r>
-            <a:r>
               <a:rPr lang="en-GB" altLang="en-US" dirty="0"/>
-              <a:t>NET understanding of an array</a:t>
+              <a:t>.NET understanding of an array</a:t>
             </a:r>
             <a:endParaRPr lang="en-US" dirty="0"/>
           </a:p>
@@ -13721,13 +13068,8 @@
             </a:pPr>
             <a:r>
               <a:rPr lang="en-US" altLang="en-US" sz="4000" dirty="0"/>
-              <a:t>All values stored in a given array must be of the same type</a:t>
-            </a:r>
-            <a:r>
-              <a:rPr lang="en-US" altLang="en-US" sz="4000" dirty="0" smtClean="0"/>
-              <a:t>.</a:t>
-            </a:r>
-            <a:endParaRPr lang="en-US" altLang="en-US" sz="4000" dirty="0"/>
+              <a:t>All values stored in a given array must be of the same type.</a:t>
+            </a:r>
           </a:p>
         </p:txBody>
       </p:sp>
@@ -13741,13 +13083,6 @@
   <p:clrMapOvr>
     <a:masterClrMapping/>
   </p:clrMapOvr>
-  <p:timing>
-    <p:tnLst>
-      <p:par>
-        <p:cTn id="1" dur="indefinite" restart="never" nodeType="tmRoot"/>
-      </p:par>
-    </p:tnLst>
-  </p:timing>
 </p:sld>
 </file>
 
